--- a/etelfutar_ppt_uj.pptx
+++ b/etelfutar_ppt_uj.pptx
@@ -19,6 +19,8 @@
     <p:sldId id="264" r:id="rId14"/>
     <p:sldId id="265" r:id="rId15"/>
     <p:sldId id="266" r:id="rId16"/>
+    <p:sldId id="267" r:id="rId17"/>
+    <p:sldId id="268" r:id="rId18"/>
   </p:sldIdLst>
   <p:sldSz cy="5143500" cx="9144000"/>
   <p:notesSz cx="6858000" cy="9144000"/>
@@ -967,7 +969,7 @@
       </p:grpSpPr>
       <p:sp>
         <p:nvSpPr>
-          <p:cNvPr id="106" name="Google Shape;106;p9:notes"/>
+          <p:cNvPr id="106" name="Google Shape;106;p10:notes"/>
           <p:cNvSpPr/>
           <p:nvPr>
             <p:ph idx="2" type="sldImg"/>
@@ -1012,7 +1014,7 @@
       </p:sp>
       <p:sp>
         <p:nvSpPr>
-          <p:cNvPr id="107" name="Google Shape;107;p9:notes"/>
+          <p:cNvPr id="107" name="Google Shape;107;p10:notes"/>
           <p:cNvSpPr txBox="1"/>
           <p:nvPr>
             <p:ph idx="1" type="body"/>
@@ -1084,7 +1086,7 @@
       </p:grpSpPr>
       <p:sp>
         <p:nvSpPr>
-          <p:cNvPr id="112" name="Google Shape;112;p10:notes"/>
+          <p:cNvPr id="112" name="Google Shape;112;p11:notes"/>
           <p:cNvSpPr/>
           <p:nvPr>
             <p:ph idx="2" type="sldImg"/>
@@ -1129,7 +1131,241 @@
       </p:sp>
       <p:sp>
         <p:nvSpPr>
-          <p:cNvPr id="113" name="Google Shape;113;p10:notes"/>
+          <p:cNvPr id="113" name="Google Shape;113;p11:notes"/>
+          <p:cNvSpPr txBox="1"/>
+          <p:nvPr>
+            <p:ph idx="1" type="body"/>
+          </p:nvPr>
+        </p:nvSpPr>
+        <p:spPr>
+          <a:xfrm>
+            <a:off x="685800" y="4343400"/>
+            <a:ext cx="5486400" cy="4114800"/>
+          </a:xfrm>
+          <a:prstGeom prst="rect">
+            <a:avLst/>
+          </a:prstGeom>
+          <a:noFill/>
+          <a:ln>
+            <a:noFill/>
+          </a:ln>
+        </p:spPr>
+        <p:txBody>
+          <a:bodyPr anchorCtr="0" anchor="t" bIns="91425" lIns="91425" spcFirstLastPara="1" rIns="91425" wrap="square" tIns="91425">
+            <a:noAutofit/>
+          </a:bodyPr>
+          <a:lstStyle/>
+          <a:p>
+            <a:pPr indent="0" lvl="0" marL="0" rtl="0" algn="l">
+              <a:lnSpc>
+                <a:spcPct val="100000"/>
+              </a:lnSpc>
+              <a:spcBef>
+                <a:spcPts val="0"/>
+              </a:spcBef>
+              <a:spcAft>
+                <a:spcPts val="0"/>
+              </a:spcAft>
+              <a:buSzPts val="1100"/>
+              <a:buNone/>
+            </a:pPr>
+            <a:r>
+              <a:t/>
+            </a:r>
+            <a:endParaRPr/>
+          </a:p>
+        </p:txBody>
+      </p:sp>
+    </p:spTree>
+  </p:cSld>
+  <p:clrMapOvr>
+    <a:masterClrMapping/>
+  </p:clrMapOvr>
+</p:notes>
+</file>
+
+<file path=ppt/notesSlides/notesSlide12.xml><?xml version="1.0" encoding="utf-8"?>
+<p:notes xmlns:a="http://schemas.openxmlformats.org/drawingml/2006/main" xmlns:r="http://schemas.openxmlformats.org/officeDocument/2006/relationships" xmlns:mc="http://schemas.openxmlformats.org/markup-compatibility/2006" xmlns:mv="urn:schemas-microsoft-com:mac:vml" xmlns:p="http://schemas.openxmlformats.org/presentationml/2006/main" xmlns:c="http://schemas.openxmlformats.org/drawingml/2006/chart" xmlns:dgm="http://schemas.openxmlformats.org/drawingml/2006/diagram" xmlns:o="urn:schemas-microsoft-com:office:office" xmlns:v="urn:schemas-microsoft-com:vml" xmlns:pvml="urn:schemas-microsoft-com:office:powerpoint" xmlns:com="http://schemas.openxmlformats.org/drawingml/2006/compatibility" xmlns:p14="http://schemas.microsoft.com/office/powerpoint/2010/main" xmlns:p15="http://schemas.microsoft.com/office/powerpoint/2012/main" xmlns:ahyp="http://schemas.microsoft.com/office/drawing/2018/hyperlinkcolor" showMasterPhAnim="0" showMasterSp="0">
+  <p:cSld>
+    <p:spTree>
+      <p:nvGrpSpPr>
+        <p:cNvPr id="117" name="Shape 117"/>
+        <p:cNvGrpSpPr/>
+        <p:nvPr/>
+      </p:nvGrpSpPr>
+      <p:grpSpPr>
+        <a:xfrm>
+          <a:off x="0" y="0"/>
+          <a:ext cx="0" cy="0"/>
+          <a:chOff x="0" y="0"/>
+          <a:chExt cx="0" cy="0"/>
+        </a:xfrm>
+      </p:grpSpPr>
+      <p:sp>
+        <p:nvSpPr>
+          <p:cNvPr id="118" name="Google Shape;118;g32fcb92857c_0_0:notes"/>
+          <p:cNvSpPr/>
+          <p:nvPr>
+            <p:ph idx="2" type="sldImg"/>
+          </p:nvPr>
+        </p:nvSpPr>
+        <p:spPr>
+          <a:xfrm>
+            <a:off x="381300" y="685800"/>
+            <a:ext cx="6096000" cy="3429000"/>
+          </a:xfrm>
+          <a:custGeom>
+            <a:rect b="b" l="l" r="r" t="t"/>
+            <a:pathLst>
+              <a:path extrusionOk="0" h="120000" w="120000">
+                <a:moveTo>
+                  <a:pt x="0" y="0"/>
+                </a:moveTo>
+                <a:lnTo>
+                  <a:pt x="120000" y="0"/>
+                </a:lnTo>
+                <a:lnTo>
+                  <a:pt x="120000" y="120000"/>
+                </a:lnTo>
+                <a:lnTo>
+                  <a:pt x="0" y="120000"/>
+                </a:lnTo>
+                <a:close/>
+              </a:path>
+            </a:pathLst>
+          </a:custGeom>
+          <a:noFill/>
+          <a:ln cap="flat" cmpd="sng" w="9525">
+            <a:solidFill>
+              <a:srgbClr val="000000"/>
+            </a:solidFill>
+            <a:prstDash val="solid"/>
+            <a:round/>
+            <a:headEnd len="sm" w="sm" type="none"/>
+            <a:tailEnd len="sm" w="sm" type="none"/>
+          </a:ln>
+        </p:spPr>
+      </p:sp>
+      <p:sp>
+        <p:nvSpPr>
+          <p:cNvPr id="119" name="Google Shape;119;g32fcb92857c_0_0:notes"/>
+          <p:cNvSpPr txBox="1"/>
+          <p:nvPr>
+            <p:ph idx="1" type="body"/>
+          </p:nvPr>
+        </p:nvSpPr>
+        <p:spPr>
+          <a:xfrm>
+            <a:off x="685800" y="4343400"/>
+            <a:ext cx="5486400" cy="4114800"/>
+          </a:xfrm>
+          <a:prstGeom prst="rect">
+            <a:avLst/>
+          </a:prstGeom>
+          <a:noFill/>
+          <a:ln>
+            <a:noFill/>
+          </a:ln>
+        </p:spPr>
+        <p:txBody>
+          <a:bodyPr anchorCtr="0" anchor="t" bIns="91425" lIns="91425" spcFirstLastPara="1" rIns="91425" wrap="square" tIns="91425">
+            <a:noAutofit/>
+          </a:bodyPr>
+          <a:lstStyle/>
+          <a:p>
+            <a:pPr indent="0" lvl="0" marL="0" rtl="0" algn="l">
+              <a:lnSpc>
+                <a:spcPct val="100000"/>
+              </a:lnSpc>
+              <a:spcBef>
+                <a:spcPts val="0"/>
+              </a:spcBef>
+              <a:spcAft>
+                <a:spcPts val="0"/>
+              </a:spcAft>
+              <a:buSzPts val="1100"/>
+              <a:buNone/>
+            </a:pPr>
+            <a:r>
+              <a:t/>
+            </a:r>
+            <a:endParaRPr/>
+          </a:p>
+        </p:txBody>
+      </p:sp>
+    </p:spTree>
+  </p:cSld>
+  <p:clrMapOvr>
+    <a:masterClrMapping/>
+  </p:clrMapOvr>
+</p:notes>
+</file>
+
+<file path=ppt/notesSlides/notesSlide13.xml><?xml version="1.0" encoding="utf-8"?>
+<p:notes xmlns:a="http://schemas.openxmlformats.org/drawingml/2006/main" xmlns:r="http://schemas.openxmlformats.org/officeDocument/2006/relationships" xmlns:mc="http://schemas.openxmlformats.org/markup-compatibility/2006" xmlns:mv="urn:schemas-microsoft-com:mac:vml" xmlns:p="http://schemas.openxmlformats.org/presentationml/2006/main" xmlns:c="http://schemas.openxmlformats.org/drawingml/2006/chart" xmlns:dgm="http://schemas.openxmlformats.org/drawingml/2006/diagram" xmlns:o="urn:schemas-microsoft-com:office:office" xmlns:v="urn:schemas-microsoft-com:vml" xmlns:pvml="urn:schemas-microsoft-com:office:powerpoint" xmlns:com="http://schemas.openxmlformats.org/drawingml/2006/compatibility" xmlns:p14="http://schemas.microsoft.com/office/powerpoint/2010/main" xmlns:p15="http://schemas.microsoft.com/office/powerpoint/2012/main" xmlns:ahyp="http://schemas.microsoft.com/office/drawing/2018/hyperlinkcolor" showMasterPhAnim="0" showMasterSp="0">
+  <p:cSld>
+    <p:spTree>
+      <p:nvGrpSpPr>
+        <p:cNvPr id="123" name="Shape 123"/>
+        <p:cNvGrpSpPr/>
+        <p:nvPr/>
+      </p:nvGrpSpPr>
+      <p:grpSpPr>
+        <a:xfrm>
+          <a:off x="0" y="0"/>
+          <a:ext cx="0" cy="0"/>
+          <a:chOff x="0" y="0"/>
+          <a:chExt cx="0" cy="0"/>
+        </a:xfrm>
+      </p:grpSpPr>
+      <p:sp>
+        <p:nvSpPr>
+          <p:cNvPr id="124" name="Google Shape;124;g32fcb92857c_0_8:notes"/>
+          <p:cNvSpPr/>
+          <p:nvPr>
+            <p:ph idx="2" type="sldImg"/>
+          </p:nvPr>
+        </p:nvSpPr>
+        <p:spPr>
+          <a:xfrm>
+            <a:off x="381300" y="685800"/>
+            <a:ext cx="6096000" cy="3429000"/>
+          </a:xfrm>
+          <a:custGeom>
+            <a:rect b="b" l="l" r="r" t="t"/>
+            <a:pathLst>
+              <a:path extrusionOk="0" h="120000" w="120000">
+                <a:moveTo>
+                  <a:pt x="0" y="0"/>
+                </a:moveTo>
+                <a:lnTo>
+                  <a:pt x="120000" y="0"/>
+                </a:lnTo>
+                <a:lnTo>
+                  <a:pt x="120000" y="120000"/>
+                </a:lnTo>
+                <a:lnTo>
+                  <a:pt x="0" y="120000"/>
+                </a:lnTo>
+                <a:close/>
+              </a:path>
+            </a:pathLst>
+          </a:custGeom>
+          <a:noFill/>
+          <a:ln cap="flat" cmpd="sng" w="9525">
+            <a:solidFill>
+              <a:srgbClr val="000000"/>
+            </a:solidFill>
+            <a:prstDash val="solid"/>
+            <a:round/>
+            <a:headEnd len="sm" w="sm" type="none"/>
+            <a:tailEnd len="sm" w="sm" type="none"/>
+          </a:ln>
+        </p:spPr>
+      </p:sp>
+      <p:sp>
+        <p:nvSpPr>
+          <p:cNvPr id="125" name="Google Shape;125;g32fcb92857c_0_8:notes"/>
           <p:cNvSpPr txBox="1"/>
           <p:nvPr>
             <p:ph idx="1" type="body"/>
@@ -1552,7 +1788,7 @@
       </p:grpSpPr>
       <p:sp>
         <p:nvSpPr>
-          <p:cNvPr id="75" name="Google Shape;75;g32db9b2667c_0_0:notes"/>
+          <p:cNvPr id="75" name="Google Shape;75;p5:notes"/>
           <p:cNvSpPr/>
           <p:nvPr>
             <p:ph idx="2" type="sldImg"/>
@@ -1597,7 +1833,7 @@
       </p:sp>
       <p:sp>
         <p:nvSpPr>
-          <p:cNvPr id="76" name="Google Shape;76;g32db9b2667c_0_0:notes"/>
+          <p:cNvPr id="76" name="Google Shape;76;p5:notes"/>
           <p:cNvSpPr txBox="1"/>
           <p:nvPr>
             <p:ph idx="1" type="body"/>
@@ -1669,7 +1905,7 @@
       </p:grpSpPr>
       <p:sp>
         <p:nvSpPr>
-          <p:cNvPr id="82" name="Google Shape;82;p5:notes"/>
+          <p:cNvPr id="82" name="Google Shape;82;p6:notes"/>
           <p:cNvSpPr/>
           <p:nvPr>
             <p:ph idx="2" type="sldImg"/>
@@ -1714,7 +1950,7 @@
       </p:sp>
       <p:sp>
         <p:nvSpPr>
-          <p:cNvPr id="83" name="Google Shape;83;p5:notes"/>
+          <p:cNvPr id="83" name="Google Shape;83;p6:notes"/>
           <p:cNvSpPr txBox="1"/>
           <p:nvPr>
             <p:ph idx="1" type="body"/>
@@ -1786,7 +2022,7 @@
       </p:grpSpPr>
       <p:sp>
         <p:nvSpPr>
-          <p:cNvPr id="88" name="Google Shape;88;p6:notes"/>
+          <p:cNvPr id="88" name="Google Shape;88;p7:notes"/>
           <p:cNvSpPr/>
           <p:nvPr>
             <p:ph idx="2" type="sldImg"/>
@@ -1831,7 +2067,7 @@
       </p:sp>
       <p:sp>
         <p:nvSpPr>
-          <p:cNvPr id="89" name="Google Shape;89;p6:notes"/>
+          <p:cNvPr id="89" name="Google Shape;89;p7:notes"/>
           <p:cNvSpPr txBox="1"/>
           <p:nvPr>
             <p:ph idx="1" type="body"/>
@@ -1903,7 +2139,7 @@
       </p:grpSpPr>
       <p:sp>
         <p:nvSpPr>
-          <p:cNvPr id="94" name="Google Shape;94;p7:notes"/>
+          <p:cNvPr id="94" name="Google Shape;94;p8:notes"/>
           <p:cNvSpPr/>
           <p:nvPr>
             <p:ph idx="2" type="sldImg"/>
@@ -1948,7 +2184,7 @@
       </p:sp>
       <p:sp>
         <p:nvSpPr>
-          <p:cNvPr id="95" name="Google Shape;95;p7:notes"/>
+          <p:cNvPr id="95" name="Google Shape;95;p8:notes"/>
           <p:cNvSpPr txBox="1"/>
           <p:nvPr>
             <p:ph idx="1" type="body"/>
@@ -2020,7 +2256,7 @@
       </p:grpSpPr>
       <p:sp>
         <p:nvSpPr>
-          <p:cNvPr id="100" name="Google Shape;100;p8:notes"/>
+          <p:cNvPr id="100" name="Google Shape;100;p9:notes"/>
           <p:cNvSpPr/>
           <p:nvPr>
             <p:ph idx="2" type="sldImg"/>
@@ -2065,7 +2301,7 @@
       </p:sp>
       <p:sp>
         <p:nvSpPr>
-          <p:cNvPr id="101" name="Google Shape;101;p8:notes"/>
+          <p:cNvPr id="101" name="Google Shape;101;p9:notes"/>
           <p:cNvSpPr txBox="1"/>
           <p:nvPr>
             <p:ph idx="1" type="body"/>
@@ -9868,7 +10104,7 @@
               <a:spcAft>
                 <a:spcPts val="0"/>
               </a:spcAft>
-              <a:buSzPct val="117647"/>
+              <a:buSzPct val="117646"/>
               <a:buNone/>
             </a:pPr>
             <a:r>
@@ -10062,17 +10298,322 @@
           <p:cNvPicPr preferRelativeResize="0"/>
           <p:nvPr/>
         </p:nvPicPr>
-        <p:blipFill rotWithShape="1">
+        <p:blipFill>
           <a:blip r:embed="rId3">
             <a:alphaModFix/>
           </a:blip>
-          <a:srcRect b="0" l="0" r="0" t="0"/>
-          <a:stretch/>
+          <a:stretch>
+            <a:fillRect/>
+          </a:stretch>
         </p:blipFill>
         <p:spPr>
           <a:xfrm>
             <a:off x="152400" y="1170125"/>
-            <a:ext cx="8088504" cy="3820976"/>
+            <a:ext cx="8079595" cy="3820975"/>
+          </a:xfrm>
+          <a:prstGeom prst="rect">
+            <a:avLst/>
+          </a:prstGeom>
+          <a:noFill/>
+          <a:ln>
+            <a:noFill/>
+          </a:ln>
+        </p:spPr>
+      </p:pic>
+    </p:spTree>
+  </p:cSld>
+  <p:clrMapOvr>
+    <a:masterClrMapping/>
+  </p:clrMapOvr>
+</p:sld>
+</file>
+
+<file path=ppt/slides/slide12.xml><?xml version="1.0" encoding="utf-8"?>
+<p:sld xmlns:a="http://schemas.openxmlformats.org/drawingml/2006/main" xmlns:r="http://schemas.openxmlformats.org/officeDocument/2006/relationships" xmlns:mc="http://schemas.openxmlformats.org/markup-compatibility/2006" xmlns:mv="urn:schemas-microsoft-com:mac:vml" xmlns:p="http://schemas.openxmlformats.org/presentationml/2006/main" xmlns:c="http://schemas.openxmlformats.org/drawingml/2006/chart" xmlns:dgm="http://schemas.openxmlformats.org/drawingml/2006/diagram" xmlns:o="urn:schemas-microsoft-com:office:office" xmlns:v="urn:schemas-microsoft-com:vml" xmlns:pvml="urn:schemas-microsoft-com:office:powerpoint" xmlns:com="http://schemas.openxmlformats.org/drawingml/2006/compatibility" xmlns:p14="http://schemas.microsoft.com/office/powerpoint/2010/main" xmlns:p15="http://schemas.microsoft.com/office/powerpoint/2012/main" xmlns:ahyp="http://schemas.microsoft.com/office/drawing/2018/hyperlinkcolor">
+  <p:cSld>
+    <p:spTree>
+      <p:nvGrpSpPr>
+        <p:cNvPr id="120" name="Shape 120"/>
+        <p:cNvGrpSpPr/>
+        <p:nvPr/>
+      </p:nvGrpSpPr>
+      <p:grpSpPr>
+        <a:xfrm>
+          <a:off x="0" y="0"/>
+          <a:ext cx="0" cy="0"/>
+          <a:chOff x="0" y="0"/>
+          <a:chExt cx="0" cy="0"/>
+        </a:xfrm>
+      </p:grpSpPr>
+      <p:sp>
+        <p:nvSpPr>
+          <p:cNvPr id="121" name="Google Shape;121;p24"/>
+          <p:cNvSpPr txBox="1"/>
+          <p:nvPr>
+            <p:ph type="title"/>
+          </p:nvPr>
+        </p:nvSpPr>
+        <p:spPr>
+          <a:xfrm>
+            <a:off x="311700" y="445025"/>
+            <a:ext cx="8520600" cy="572700"/>
+          </a:xfrm>
+          <a:prstGeom prst="rect">
+            <a:avLst/>
+          </a:prstGeom>
+          <a:noFill/>
+          <a:ln>
+            <a:noFill/>
+          </a:ln>
+        </p:spPr>
+        <p:txBody>
+          <a:bodyPr anchorCtr="0" anchor="t" bIns="91425" lIns="91425" spcFirstLastPara="1" rIns="91425" wrap="square" tIns="91425">
+            <a:normAutofit fontScale="90000"/>
+          </a:bodyPr>
+          <a:lstStyle/>
+          <a:p>
+            <a:pPr indent="0" lvl="0" marL="0" rtl="0" algn="l">
+              <a:lnSpc>
+                <a:spcPct val="100000"/>
+              </a:lnSpc>
+              <a:spcBef>
+                <a:spcPts val="0"/>
+              </a:spcBef>
+              <a:spcAft>
+                <a:spcPts val="0"/>
+              </a:spcAft>
+              <a:buSzPct val="111111"/>
+              <a:buNone/>
+            </a:pPr>
+            <a:r>
+              <a:rPr lang="hu"/>
+              <a:t>Adminisztrációs felület-WPF Alkalmazás:</a:t>
+            </a:r>
+            <a:endParaRPr/>
+          </a:p>
+        </p:txBody>
+      </p:sp>
+      <p:sp>
+        <p:nvSpPr>
+          <p:cNvPr id="122" name="Google Shape;122;p24"/>
+          <p:cNvSpPr txBox="1"/>
+          <p:nvPr/>
+        </p:nvSpPr>
+        <p:spPr>
+          <a:xfrm>
+            <a:off x="311700" y="1017725"/>
+            <a:ext cx="8335500" cy="1723800"/>
+          </a:xfrm>
+          <a:prstGeom prst="rect">
+            <a:avLst/>
+          </a:prstGeom>
+          <a:noFill/>
+          <a:ln>
+            <a:noFill/>
+          </a:ln>
+        </p:spPr>
+        <p:txBody>
+          <a:bodyPr anchorCtr="0" anchor="t" bIns="91425" lIns="91425" spcFirstLastPara="1" rIns="91425" wrap="square" tIns="91425">
+            <a:spAutoFit/>
+          </a:bodyPr>
+          <a:lstStyle/>
+          <a:p>
+            <a:pPr indent="0" lvl="0" marL="0" rtl="0" algn="l">
+              <a:spcBef>
+                <a:spcPts val="0"/>
+              </a:spcBef>
+              <a:spcAft>
+                <a:spcPts val="0"/>
+              </a:spcAft>
+              <a:buNone/>
+            </a:pPr>
+            <a:r>
+              <a:rPr lang="hu" sz="2000">
+                <a:solidFill>
+                  <a:schemeClr val="dk1"/>
+                </a:solidFill>
+              </a:rPr>
+              <a:t>A WPF alkalmazás egy felhasználó kezelő program amely segítségével az “Adminisztrátor” kezelheti a felhasználóit: létrehozhat újat,törölhet,módosíthat.</a:t>
+            </a:r>
+            <a:endParaRPr sz="2000">
+              <a:solidFill>
+                <a:schemeClr val="dk1"/>
+              </a:solidFill>
+            </a:endParaRPr>
+          </a:p>
+          <a:p>
+            <a:pPr indent="0" lvl="0" marL="0" rtl="0" algn="l">
+              <a:spcBef>
+                <a:spcPts val="0"/>
+              </a:spcBef>
+              <a:spcAft>
+                <a:spcPts val="0"/>
+              </a:spcAft>
+              <a:buNone/>
+            </a:pPr>
+            <a:r>
+              <a:rPr lang="hu" sz="2000">
+                <a:solidFill>
+                  <a:schemeClr val="dk1"/>
+                </a:solidFill>
+              </a:rPr>
+              <a:t>Csak be kell jelentkezni “Admin” felhasználóként és kész. Illetve be is lehet regisztrálni egy új felhasználót.</a:t>
+            </a:r>
+            <a:endParaRPr sz="2000">
+              <a:solidFill>
+                <a:schemeClr val="dk1"/>
+              </a:solidFill>
+            </a:endParaRPr>
+          </a:p>
+        </p:txBody>
+      </p:sp>
+    </p:spTree>
+  </p:cSld>
+  <p:clrMapOvr>
+    <a:masterClrMapping/>
+  </p:clrMapOvr>
+</p:sld>
+</file>
+
+<file path=ppt/slides/slide13.xml><?xml version="1.0" encoding="utf-8"?>
+<p:sld xmlns:a="http://schemas.openxmlformats.org/drawingml/2006/main" xmlns:r="http://schemas.openxmlformats.org/officeDocument/2006/relationships" xmlns:mc="http://schemas.openxmlformats.org/markup-compatibility/2006" xmlns:mv="urn:schemas-microsoft-com:mac:vml" xmlns:p="http://schemas.openxmlformats.org/presentationml/2006/main" xmlns:c="http://schemas.openxmlformats.org/drawingml/2006/chart" xmlns:dgm="http://schemas.openxmlformats.org/drawingml/2006/diagram" xmlns:o="urn:schemas-microsoft-com:office:office" xmlns:v="urn:schemas-microsoft-com:vml" xmlns:pvml="urn:schemas-microsoft-com:office:powerpoint" xmlns:com="http://schemas.openxmlformats.org/drawingml/2006/compatibility" xmlns:p14="http://schemas.microsoft.com/office/powerpoint/2010/main" xmlns:p15="http://schemas.microsoft.com/office/powerpoint/2012/main" xmlns:ahyp="http://schemas.microsoft.com/office/drawing/2018/hyperlinkcolor">
+  <p:cSld>
+    <p:spTree>
+      <p:nvGrpSpPr>
+        <p:cNvPr id="126" name="Shape 126"/>
+        <p:cNvGrpSpPr/>
+        <p:nvPr/>
+      </p:nvGrpSpPr>
+      <p:grpSpPr>
+        <a:xfrm>
+          <a:off x="0" y="0"/>
+          <a:ext cx="0" cy="0"/>
+          <a:chOff x="0" y="0"/>
+          <a:chExt cx="0" cy="0"/>
+        </a:xfrm>
+      </p:grpSpPr>
+      <p:sp>
+        <p:nvSpPr>
+          <p:cNvPr id="127" name="Google Shape;127;p25"/>
+          <p:cNvSpPr txBox="1"/>
+          <p:nvPr>
+            <p:ph type="title"/>
+          </p:nvPr>
+        </p:nvSpPr>
+        <p:spPr>
+          <a:xfrm>
+            <a:off x="311700" y="445025"/>
+            <a:ext cx="8520600" cy="572700"/>
+          </a:xfrm>
+          <a:prstGeom prst="rect">
+            <a:avLst/>
+          </a:prstGeom>
+          <a:noFill/>
+          <a:ln>
+            <a:noFill/>
+          </a:ln>
+        </p:spPr>
+        <p:txBody>
+          <a:bodyPr anchorCtr="0" anchor="t" bIns="91425" lIns="91425" spcFirstLastPara="1" rIns="91425" wrap="square" tIns="91425">
+            <a:normAutofit fontScale="90000"/>
+          </a:bodyPr>
+          <a:lstStyle/>
+          <a:p>
+            <a:pPr indent="0" lvl="0" marL="0" rtl="0" algn="l">
+              <a:lnSpc>
+                <a:spcPct val="100000"/>
+              </a:lnSpc>
+              <a:spcBef>
+                <a:spcPts val="0"/>
+              </a:spcBef>
+              <a:spcAft>
+                <a:spcPts val="0"/>
+              </a:spcAft>
+              <a:buSzPct val="111111"/>
+              <a:buNone/>
+            </a:pPr>
+            <a:r>
+              <a:rPr lang="hu"/>
+              <a:t>WPF Alkalmazás kinézete:</a:t>
+            </a:r>
+            <a:endParaRPr/>
+          </a:p>
+        </p:txBody>
+      </p:sp>
+      <p:pic>
+        <p:nvPicPr>
+          <p:cNvPr id="128" name="Google Shape;128;p25"/>
+          <p:cNvPicPr preferRelativeResize="0"/>
+          <p:nvPr/>
+        </p:nvPicPr>
+        <p:blipFill>
+          <a:blip r:embed="rId3">
+            <a:alphaModFix/>
+          </a:blip>
+          <a:stretch>
+            <a:fillRect/>
+          </a:stretch>
+        </p:blipFill>
+        <p:spPr>
+          <a:xfrm>
+            <a:off x="311700" y="1689850"/>
+            <a:ext cx="2326806" cy="2333700"/>
+          </a:xfrm>
+          <a:prstGeom prst="rect">
+            <a:avLst/>
+          </a:prstGeom>
+          <a:noFill/>
+          <a:ln>
+            <a:noFill/>
+          </a:ln>
+        </p:spPr>
+      </p:pic>
+      <p:pic>
+        <p:nvPicPr>
+          <p:cNvPr id="129" name="Google Shape;129;p25"/>
+          <p:cNvPicPr preferRelativeResize="0"/>
+          <p:nvPr/>
+        </p:nvPicPr>
+        <p:blipFill>
+          <a:blip r:embed="rId4">
+            <a:alphaModFix/>
+          </a:blip>
+          <a:stretch>
+            <a:fillRect/>
+          </a:stretch>
+        </p:blipFill>
+        <p:spPr>
+          <a:xfrm>
+            <a:off x="3053238" y="1689840"/>
+            <a:ext cx="2691750" cy="2333711"/>
+          </a:xfrm>
+          <a:prstGeom prst="rect">
+            <a:avLst/>
+          </a:prstGeom>
+          <a:noFill/>
+          <a:ln>
+            <a:noFill/>
+          </a:ln>
+        </p:spPr>
+      </p:pic>
+      <p:pic>
+        <p:nvPicPr>
+          <p:cNvPr id="130" name="Google Shape;130;p25"/>
+          <p:cNvPicPr preferRelativeResize="0"/>
+          <p:nvPr/>
+        </p:nvPicPr>
+        <p:blipFill>
+          <a:blip r:embed="rId5">
+            <a:alphaModFix/>
+          </a:blip>
+          <a:stretch>
+            <a:fillRect/>
+          </a:stretch>
+        </p:blipFill>
+        <p:spPr>
+          <a:xfrm>
+            <a:off x="6159725" y="1689850"/>
+            <a:ext cx="2672571" cy="2333700"/>
           </a:xfrm>
           <a:prstGeom prst="rect">
             <a:avLst/>
@@ -10197,10 +10738,10 @@
               <a:buNone/>
             </a:pPr>
             <a:r>
-              <a:rPr lang="hu"/>
+              <a:rPr lang="hu" sz="2000"/>
               <a:t>Mi vagyunk az Ételfutár. Üdvözöljük weblapunkon ahol kényelmesen rendelhet ételeket Miskolci éttermekből vagy akár egyéb városok éttermeiből. Cégünk étel rendeléssel és kiszállítással foglalkozik. Csak regisztráljon és már rendelhet is ételt házhoz azonnal. A kiszállítási díjat felszámoljuk amely 1000 Ft. Viszont cserébe kényelmesen, rugalmasan és friss ételt rendelhet tőlünk.</a:t>
             </a:r>
-            <a:endParaRPr/>
+            <a:endParaRPr sz="2000"/>
           </a:p>
         </p:txBody>
       </p:sp>
@@ -10288,7 +10829,7 @@
         <p:spPr>
           <a:xfrm>
             <a:off x="311700" y="1152475"/>
-            <a:ext cx="8520600" cy="3416400"/>
+            <a:ext cx="8520600" cy="3886500"/>
           </a:xfrm>
           <a:prstGeom prst="rect">
             <a:avLst/>
@@ -10300,21 +10841,21 @@
         </p:spPr>
         <p:txBody>
           <a:bodyPr anchorCtr="0" anchor="t" bIns="91425" lIns="91425" spcFirstLastPara="1" rIns="91425" wrap="square" tIns="91425">
-            <a:normAutofit fontScale="92500" lnSpcReduction="10000"/>
+            <a:noAutofit/>
           </a:bodyPr>
           <a:lstStyle/>
           <a:p>
             <a:pPr indent="0" lvl="0" marL="0" rtl="0" algn="l">
               <a:lnSpc>
-                <a:spcPct val="115000"/>
-              </a:lnSpc>
-              <a:spcBef>
-                <a:spcPts val="0"/>
-              </a:spcBef>
-              <a:spcAft>
-                <a:spcPts val="0"/>
-              </a:spcAft>
-              <a:buSzPct val="100000"/>
+                <a:spcPct val="105000"/>
+              </a:lnSpc>
+              <a:spcBef>
+                <a:spcPts val="0"/>
+              </a:spcBef>
+              <a:spcAft>
+                <a:spcPts val="0"/>
+              </a:spcAft>
+              <a:buSzPts val="1665"/>
               <a:buNone/>
             </a:pPr>
             <a:r>
@@ -10326,7 +10867,7 @@
           <a:p>
             <a:pPr indent="0" lvl="0" marL="0" rtl="0" algn="l">
               <a:lnSpc>
-                <a:spcPct val="115000"/>
+                <a:spcPct val="105000"/>
               </a:lnSpc>
               <a:spcBef>
                 <a:spcPts val="1200"/>
@@ -10334,7 +10875,7 @@
               <a:spcAft>
                 <a:spcPts val="0"/>
               </a:spcAft>
-              <a:buSzPct val="100000"/>
+              <a:buSzPts val="1665"/>
               <a:buNone/>
             </a:pPr>
             <a:r>
@@ -10346,7 +10887,7 @@
           <a:p>
             <a:pPr indent="0" lvl="0" marL="0" rtl="0" algn="l">
               <a:lnSpc>
-                <a:spcPct val="115000"/>
+                <a:spcPct val="105000"/>
               </a:lnSpc>
               <a:spcBef>
                 <a:spcPts val="1200"/>
@@ -10354,7 +10895,7 @@
               <a:spcAft>
                 <a:spcPts val="1200"/>
               </a:spcAft>
-              <a:buSzPct val="100000"/>
+              <a:buSzPts val="1665"/>
               <a:buNone/>
             </a:pPr>
             <a:r>
@@ -10730,13 +11271,12 @@
           <p:cNvPicPr preferRelativeResize="0"/>
           <p:nvPr/>
         </p:nvPicPr>
-        <p:blipFill>
+        <p:blipFill rotWithShape="1">
           <a:blip r:embed="rId3">
             <a:alphaModFix/>
           </a:blip>
-          <a:stretch>
-            <a:fillRect/>
-          </a:stretch>
+          <a:srcRect b="0" l="0" r="0" t="0"/>
+          <a:stretch/>
         </p:blipFill>
         <p:spPr>
           <a:xfrm>
@@ -11173,6 +11713,285 @@
 </file>
 
 <file path=ppt/theme/theme1.xml><?xml version="1.0" encoding="utf-8"?>
+<a:theme xmlns:a="http://schemas.openxmlformats.org/drawingml/2006/main" xmlns:r="http://schemas.openxmlformats.org/officeDocument/2006/relationships" name="Simple Light">
+  <a:themeElements>
+    <a:clrScheme name="Simple Light">
+      <a:dk1>
+        <a:srgbClr val="000000"/>
+      </a:dk1>
+      <a:lt1>
+        <a:srgbClr val="FFFFFF"/>
+      </a:lt1>
+      <a:dk2>
+        <a:srgbClr val="595959"/>
+      </a:dk2>
+      <a:lt2>
+        <a:srgbClr val="EEEEEE"/>
+      </a:lt2>
+      <a:accent1>
+        <a:srgbClr val="4285F4"/>
+      </a:accent1>
+      <a:accent2>
+        <a:srgbClr val="212121"/>
+      </a:accent2>
+      <a:accent3>
+        <a:srgbClr val="78909C"/>
+      </a:accent3>
+      <a:accent4>
+        <a:srgbClr val="FFAB40"/>
+      </a:accent4>
+      <a:accent5>
+        <a:srgbClr val="0097A7"/>
+      </a:accent5>
+      <a:accent6>
+        <a:srgbClr val="EEFF41"/>
+      </a:accent6>
+      <a:hlink>
+        <a:srgbClr val="0097A7"/>
+      </a:hlink>
+      <a:folHlink>
+        <a:srgbClr val="0097A7"/>
+      </a:folHlink>
+    </a:clrScheme>
+    <a:fontScheme name="Office">
+      <a:majorFont>
+        <a:latin typeface="Arial"/>
+        <a:ea typeface=""/>
+        <a:cs typeface=""/>
+        <a:font script="Jpan" typeface="ＭＳ Ｐゴシック"/>
+        <a:font script="Hang" typeface="맑은 고딕"/>
+        <a:font script="Hans" typeface="宋体"/>
+        <a:font script="Hant" typeface="新細明體"/>
+        <a:font script="Arab" typeface="Times New Roman"/>
+        <a:font script="Hebr" typeface="Times New Roman"/>
+        <a:font script="Thai" typeface="Angsana New"/>
+        <a:font script="Ethi" typeface="Nyala"/>
+        <a:font script="Beng" typeface="Vrinda"/>
+        <a:font script="Gujr" typeface="Shruti"/>
+        <a:font script="Khmr" typeface="MoolBoran"/>
+        <a:font script="Knda" typeface="Tunga"/>
+        <a:font script="Guru" typeface="Raavi"/>
+        <a:font script="Cans" typeface="Euphemia"/>
+        <a:font script="Cher" typeface="Plantagenet Cherokee"/>
+        <a:font script="Yiii" typeface="Microsoft Yi Baiti"/>
+        <a:font script="Tibt" typeface="Microsoft Himalaya"/>
+        <a:font script="Thaa" typeface="MV Boli"/>
+        <a:font script="Deva" typeface="Mangal"/>
+        <a:font script="Telu" typeface="Gautami"/>
+        <a:font script="Taml" typeface="Latha"/>
+        <a:font script="Syrc" typeface="Estrangelo Edessa"/>
+        <a:font script="Orya" typeface="Kalinga"/>
+        <a:font script="Mlym" typeface="Kartika"/>
+        <a:font script="Laoo" typeface="DokChampa"/>
+        <a:font script="Sinh" typeface="Iskoola Pota"/>
+        <a:font script="Mong" typeface="Mongolian Baiti"/>
+        <a:font script="Viet" typeface="Times New Roman"/>
+        <a:font script="Uigh" typeface="Microsoft Uighur"/>
+        <a:font script="Geor" typeface="Sylfaen"/>
+      </a:majorFont>
+      <a:minorFont>
+        <a:latin typeface="Arial"/>
+        <a:ea typeface=""/>
+        <a:cs typeface=""/>
+        <a:font script="Jpan" typeface="ＭＳ Ｐゴシック"/>
+        <a:font script="Hang" typeface="맑은 고딕"/>
+        <a:font script="Hans" typeface="宋体"/>
+        <a:font script="Hant" typeface="新細明體"/>
+        <a:font script="Arab" typeface="Arial"/>
+        <a:font script="Hebr" typeface="Arial"/>
+        <a:font script="Thai" typeface="Cordia New"/>
+        <a:font script="Ethi" typeface="Nyala"/>
+        <a:font script="Beng" typeface="Vrinda"/>
+        <a:font script="Gujr" typeface="Shruti"/>
+        <a:font script="Khmr" typeface="DaunPenh"/>
+        <a:font script="Knda" typeface="Tunga"/>
+        <a:font script="Guru" typeface="Raavi"/>
+        <a:font script="Cans" typeface="Euphemia"/>
+        <a:font script="Cher" typeface="Plantagenet Cherokee"/>
+        <a:font script="Yiii" typeface="Microsoft Yi Baiti"/>
+        <a:font script="Tibt" typeface="Microsoft Himalaya"/>
+        <a:font script="Thaa" typeface="MV Boli"/>
+        <a:font script="Deva" typeface="Mangal"/>
+        <a:font script="Telu" typeface="Gautami"/>
+        <a:font script="Taml" typeface="Latha"/>
+        <a:font script="Syrc" typeface="Estrangelo Edessa"/>
+        <a:font script="Orya" typeface="Kalinga"/>
+        <a:font script="Mlym" typeface="Kartika"/>
+        <a:font script="Laoo" typeface="DokChampa"/>
+        <a:font script="Sinh" typeface="Iskoola Pota"/>
+        <a:font script="Mong" typeface="Mongolian Baiti"/>
+        <a:font script="Viet" typeface="Arial"/>
+        <a:font script="Uigh" typeface="Microsoft Uighur"/>
+        <a:font script="Geor" typeface="Sylfaen"/>
+      </a:minorFont>
+    </a:fontScheme>
+    <a:fmtScheme name="Office">
+      <a:fillStyleLst>
+        <a:solidFill>
+          <a:schemeClr val="phClr"/>
+        </a:solidFill>
+        <a:gradFill rotWithShape="1">
+          <a:gsLst>
+            <a:gs pos="0">
+              <a:schemeClr val="phClr">
+                <a:tint val="50000"/>
+                <a:satMod val="300000"/>
+              </a:schemeClr>
+            </a:gs>
+            <a:gs pos="35000">
+              <a:schemeClr val="phClr">
+                <a:tint val="37000"/>
+                <a:satMod val="300000"/>
+              </a:schemeClr>
+            </a:gs>
+            <a:gs pos="100000">
+              <a:schemeClr val="phClr">
+                <a:tint val="15000"/>
+                <a:satMod val="350000"/>
+              </a:schemeClr>
+            </a:gs>
+          </a:gsLst>
+          <a:lin ang="16200000" scaled="1"/>
+        </a:gradFill>
+        <a:gradFill rotWithShape="1">
+          <a:gsLst>
+            <a:gs pos="0">
+              <a:schemeClr val="phClr">
+                <a:tint val="100000"/>
+                <a:shade val="100000"/>
+                <a:satMod val="130000"/>
+              </a:schemeClr>
+            </a:gs>
+            <a:gs pos="100000">
+              <a:schemeClr val="phClr">
+                <a:tint val="50000"/>
+                <a:shade val="100000"/>
+                <a:satMod val="350000"/>
+              </a:schemeClr>
+            </a:gs>
+          </a:gsLst>
+          <a:lin ang="16200000" scaled="0"/>
+        </a:gradFill>
+      </a:fillStyleLst>
+      <a:lnStyleLst>
+        <a:ln w="9525" cap="flat" cmpd="sng" algn="ctr">
+          <a:solidFill>
+            <a:schemeClr val="phClr">
+              <a:shade val="95000"/>
+              <a:satMod val="105000"/>
+            </a:schemeClr>
+          </a:solidFill>
+          <a:prstDash val="solid"/>
+        </a:ln>
+        <a:ln w="25400" cap="flat" cmpd="sng" algn="ctr">
+          <a:solidFill>
+            <a:schemeClr val="phClr"/>
+          </a:solidFill>
+          <a:prstDash val="solid"/>
+        </a:ln>
+        <a:ln w="38100" cap="flat" cmpd="sng" algn="ctr">
+          <a:solidFill>
+            <a:schemeClr val="phClr"/>
+          </a:solidFill>
+          <a:prstDash val="solid"/>
+        </a:ln>
+      </a:lnStyleLst>
+      <a:effectStyleLst>
+        <a:effectStyle>
+          <a:effectLst>
+            <a:outerShdw blurRad="40000" dist="20000" dir="5400000" rotWithShape="0">
+              <a:srgbClr val="000000">
+                <a:alpha val="38000"/>
+              </a:srgbClr>
+            </a:outerShdw>
+          </a:effectLst>
+        </a:effectStyle>
+        <a:effectStyle>
+          <a:effectLst>
+            <a:outerShdw blurRad="40000" dist="23000" dir="5400000" rotWithShape="0">
+              <a:srgbClr val="000000">
+                <a:alpha val="35000"/>
+              </a:srgbClr>
+            </a:outerShdw>
+          </a:effectLst>
+        </a:effectStyle>
+        <a:effectStyle>
+          <a:effectLst>
+            <a:outerShdw blurRad="40000" dist="23000" dir="5400000" rotWithShape="0">
+              <a:srgbClr val="000000">
+                <a:alpha val="35000"/>
+              </a:srgbClr>
+            </a:outerShdw>
+          </a:effectLst>
+          <a:scene3d>
+            <a:camera prst="orthographicFront">
+              <a:rot lat="0" lon="0" rev="0"/>
+            </a:camera>
+            <a:lightRig rig="threePt" dir="t">
+              <a:rot lat="0" lon="0" rev="1200000"/>
+            </a:lightRig>
+          </a:scene3d>
+          <a:sp3d>
+            <a:bevelT w="63500" h="25400"/>
+          </a:sp3d>
+        </a:effectStyle>
+      </a:effectStyleLst>
+      <a:bgFillStyleLst>
+        <a:solidFill>
+          <a:schemeClr val="phClr"/>
+        </a:solidFill>
+        <a:gradFill rotWithShape="1">
+          <a:gsLst>
+            <a:gs pos="0">
+              <a:schemeClr val="phClr">
+                <a:tint val="40000"/>
+                <a:satMod val="350000"/>
+              </a:schemeClr>
+            </a:gs>
+            <a:gs pos="40000">
+              <a:schemeClr val="phClr">
+                <a:tint val="45000"/>
+                <a:shade val="99000"/>
+                <a:satMod val="350000"/>
+              </a:schemeClr>
+            </a:gs>
+            <a:gs pos="100000">
+              <a:schemeClr val="phClr">
+                <a:shade val="20000"/>
+                <a:satMod val="255000"/>
+              </a:schemeClr>
+            </a:gs>
+          </a:gsLst>
+          <a:path path="circle">
+            <a:fillToRect l="50000" t="-80000" r="50000" b="180000"/>
+          </a:path>
+        </a:gradFill>
+        <a:gradFill rotWithShape="1">
+          <a:gsLst>
+            <a:gs pos="0">
+              <a:schemeClr val="phClr">
+                <a:tint val="80000"/>
+                <a:satMod val="300000"/>
+              </a:schemeClr>
+            </a:gs>
+            <a:gs pos="100000">
+              <a:schemeClr val="phClr">
+                <a:shade val="30000"/>
+                <a:satMod val="200000"/>
+              </a:schemeClr>
+            </a:gs>
+          </a:gsLst>
+          <a:path path="circle">
+            <a:fillToRect l="50000" t="50000" r="50000" b="50000"/>
+          </a:path>
+        </a:gradFill>
+      </a:bgFillStyleLst>
+    </a:fmtScheme>
+  </a:themeElements>
+</a:theme>
+</file>
+
+<file path=ppt/theme/theme2.xml><?xml version="1.0" encoding="utf-8"?>
 <a:theme xmlns:a="http://schemas.openxmlformats.org/drawingml/2006/main" xmlns:r="http://schemas.openxmlformats.org/officeDocument/2006/relationships">
   <a:themeElements>
     <a:clrScheme name="Default">
@@ -11449,283 +12268,4 @@
     </a:fmtScheme>
   </a:themeElements>
 </a:theme>
-</file>
-
-<file path=ppt/theme/theme2.xml><?xml version="1.0" encoding="utf-8"?>
-<a:theme xmlns:a="http://schemas.openxmlformats.org/drawingml/2006/main" xmlns:r="http://schemas.openxmlformats.org/officeDocument/2006/relationships" name="Simple Light">
-  <a:themeElements>
-    <a:clrScheme name="Simple Light">
-      <a:dk1>
-        <a:srgbClr val="000000"/>
-      </a:dk1>
-      <a:lt1>
-        <a:srgbClr val="FFFFFF"/>
-      </a:lt1>
-      <a:dk2>
-        <a:srgbClr val="595959"/>
-      </a:dk2>
-      <a:lt2>
-        <a:srgbClr val="EEEEEE"/>
-      </a:lt2>
-      <a:accent1>
-        <a:srgbClr val="4285F4"/>
-      </a:accent1>
-      <a:accent2>
-        <a:srgbClr val="212121"/>
-      </a:accent2>
-      <a:accent3>
-        <a:srgbClr val="78909C"/>
-      </a:accent3>
-      <a:accent4>
-        <a:srgbClr val="FFAB40"/>
-      </a:accent4>
-      <a:accent5>
-        <a:srgbClr val="0097A7"/>
-      </a:accent5>
-      <a:accent6>
-        <a:srgbClr val="EEFF41"/>
-      </a:accent6>
-      <a:hlink>
-        <a:srgbClr val="0097A7"/>
-      </a:hlink>
-      <a:folHlink>
-        <a:srgbClr val="0097A7"/>
-      </a:folHlink>
-    </a:clrScheme>
-    <a:fontScheme name="Office">
-      <a:majorFont>
-        <a:latin typeface="Arial"/>
-        <a:ea typeface=""/>
-        <a:cs typeface=""/>
-        <a:font script="Jpan" typeface="ＭＳ Ｐゴシック"/>
-        <a:font script="Hang" typeface="맑은 고딕"/>
-        <a:font script="Hans" typeface="宋体"/>
-        <a:font script="Hant" typeface="新細明體"/>
-        <a:font script="Arab" typeface="Times New Roman"/>
-        <a:font script="Hebr" typeface="Times New Roman"/>
-        <a:font script="Thai" typeface="Angsana New"/>
-        <a:font script="Ethi" typeface="Nyala"/>
-        <a:font script="Beng" typeface="Vrinda"/>
-        <a:font script="Gujr" typeface="Shruti"/>
-        <a:font script="Khmr" typeface="MoolBoran"/>
-        <a:font script="Knda" typeface="Tunga"/>
-        <a:font script="Guru" typeface="Raavi"/>
-        <a:font script="Cans" typeface="Euphemia"/>
-        <a:font script="Cher" typeface="Plantagenet Cherokee"/>
-        <a:font script="Yiii" typeface="Microsoft Yi Baiti"/>
-        <a:font script="Tibt" typeface="Microsoft Himalaya"/>
-        <a:font script="Thaa" typeface="MV Boli"/>
-        <a:font script="Deva" typeface="Mangal"/>
-        <a:font script="Telu" typeface="Gautami"/>
-        <a:font script="Taml" typeface="Latha"/>
-        <a:font script="Syrc" typeface="Estrangelo Edessa"/>
-        <a:font script="Orya" typeface="Kalinga"/>
-        <a:font script="Mlym" typeface="Kartika"/>
-        <a:font script="Laoo" typeface="DokChampa"/>
-        <a:font script="Sinh" typeface="Iskoola Pota"/>
-        <a:font script="Mong" typeface="Mongolian Baiti"/>
-        <a:font script="Viet" typeface="Times New Roman"/>
-        <a:font script="Uigh" typeface="Microsoft Uighur"/>
-        <a:font script="Geor" typeface="Sylfaen"/>
-      </a:majorFont>
-      <a:minorFont>
-        <a:latin typeface="Arial"/>
-        <a:ea typeface=""/>
-        <a:cs typeface=""/>
-        <a:font script="Jpan" typeface="ＭＳ Ｐゴシック"/>
-        <a:font script="Hang" typeface="맑은 고딕"/>
-        <a:font script="Hans" typeface="宋体"/>
-        <a:font script="Hant" typeface="新細明體"/>
-        <a:font script="Arab" typeface="Arial"/>
-        <a:font script="Hebr" typeface="Arial"/>
-        <a:font script="Thai" typeface="Cordia New"/>
-        <a:font script="Ethi" typeface="Nyala"/>
-        <a:font script="Beng" typeface="Vrinda"/>
-        <a:font script="Gujr" typeface="Shruti"/>
-        <a:font script="Khmr" typeface="DaunPenh"/>
-        <a:font script="Knda" typeface="Tunga"/>
-        <a:font script="Guru" typeface="Raavi"/>
-        <a:font script="Cans" typeface="Euphemia"/>
-        <a:font script="Cher" typeface="Plantagenet Cherokee"/>
-        <a:font script="Yiii" typeface="Microsoft Yi Baiti"/>
-        <a:font script="Tibt" typeface="Microsoft Himalaya"/>
-        <a:font script="Thaa" typeface="MV Boli"/>
-        <a:font script="Deva" typeface="Mangal"/>
-        <a:font script="Telu" typeface="Gautami"/>
-        <a:font script="Taml" typeface="Latha"/>
-        <a:font script="Syrc" typeface="Estrangelo Edessa"/>
-        <a:font script="Orya" typeface="Kalinga"/>
-        <a:font script="Mlym" typeface="Kartika"/>
-        <a:font script="Laoo" typeface="DokChampa"/>
-        <a:font script="Sinh" typeface="Iskoola Pota"/>
-        <a:font script="Mong" typeface="Mongolian Baiti"/>
-        <a:font script="Viet" typeface="Arial"/>
-        <a:font script="Uigh" typeface="Microsoft Uighur"/>
-        <a:font script="Geor" typeface="Sylfaen"/>
-      </a:minorFont>
-    </a:fontScheme>
-    <a:fmtScheme name="Office">
-      <a:fillStyleLst>
-        <a:solidFill>
-          <a:schemeClr val="phClr"/>
-        </a:solidFill>
-        <a:gradFill rotWithShape="1">
-          <a:gsLst>
-            <a:gs pos="0">
-              <a:schemeClr val="phClr">
-                <a:tint val="50000"/>
-                <a:satMod val="300000"/>
-              </a:schemeClr>
-            </a:gs>
-            <a:gs pos="35000">
-              <a:schemeClr val="phClr">
-                <a:tint val="37000"/>
-                <a:satMod val="300000"/>
-              </a:schemeClr>
-            </a:gs>
-            <a:gs pos="100000">
-              <a:schemeClr val="phClr">
-                <a:tint val="15000"/>
-                <a:satMod val="350000"/>
-              </a:schemeClr>
-            </a:gs>
-          </a:gsLst>
-          <a:lin ang="16200000" scaled="1"/>
-        </a:gradFill>
-        <a:gradFill rotWithShape="1">
-          <a:gsLst>
-            <a:gs pos="0">
-              <a:schemeClr val="phClr">
-                <a:tint val="100000"/>
-                <a:shade val="100000"/>
-                <a:satMod val="130000"/>
-              </a:schemeClr>
-            </a:gs>
-            <a:gs pos="100000">
-              <a:schemeClr val="phClr">
-                <a:tint val="50000"/>
-                <a:shade val="100000"/>
-                <a:satMod val="350000"/>
-              </a:schemeClr>
-            </a:gs>
-          </a:gsLst>
-          <a:lin ang="16200000" scaled="0"/>
-        </a:gradFill>
-      </a:fillStyleLst>
-      <a:lnStyleLst>
-        <a:ln w="9525" cap="flat" cmpd="sng" algn="ctr">
-          <a:solidFill>
-            <a:schemeClr val="phClr">
-              <a:shade val="95000"/>
-              <a:satMod val="105000"/>
-            </a:schemeClr>
-          </a:solidFill>
-          <a:prstDash val="solid"/>
-        </a:ln>
-        <a:ln w="25400" cap="flat" cmpd="sng" algn="ctr">
-          <a:solidFill>
-            <a:schemeClr val="phClr"/>
-          </a:solidFill>
-          <a:prstDash val="solid"/>
-        </a:ln>
-        <a:ln w="38100" cap="flat" cmpd="sng" algn="ctr">
-          <a:solidFill>
-            <a:schemeClr val="phClr"/>
-          </a:solidFill>
-          <a:prstDash val="solid"/>
-        </a:ln>
-      </a:lnStyleLst>
-      <a:effectStyleLst>
-        <a:effectStyle>
-          <a:effectLst>
-            <a:outerShdw blurRad="40000" dist="20000" dir="5400000" rotWithShape="0">
-              <a:srgbClr val="000000">
-                <a:alpha val="38000"/>
-              </a:srgbClr>
-            </a:outerShdw>
-          </a:effectLst>
-        </a:effectStyle>
-        <a:effectStyle>
-          <a:effectLst>
-            <a:outerShdw blurRad="40000" dist="23000" dir="5400000" rotWithShape="0">
-              <a:srgbClr val="000000">
-                <a:alpha val="35000"/>
-              </a:srgbClr>
-            </a:outerShdw>
-          </a:effectLst>
-        </a:effectStyle>
-        <a:effectStyle>
-          <a:effectLst>
-            <a:outerShdw blurRad="40000" dist="23000" dir="5400000" rotWithShape="0">
-              <a:srgbClr val="000000">
-                <a:alpha val="35000"/>
-              </a:srgbClr>
-            </a:outerShdw>
-          </a:effectLst>
-          <a:scene3d>
-            <a:camera prst="orthographicFront">
-              <a:rot lat="0" lon="0" rev="0"/>
-            </a:camera>
-            <a:lightRig rig="threePt" dir="t">
-              <a:rot lat="0" lon="0" rev="1200000"/>
-            </a:lightRig>
-          </a:scene3d>
-          <a:sp3d>
-            <a:bevelT w="63500" h="25400"/>
-          </a:sp3d>
-        </a:effectStyle>
-      </a:effectStyleLst>
-      <a:bgFillStyleLst>
-        <a:solidFill>
-          <a:schemeClr val="phClr"/>
-        </a:solidFill>
-        <a:gradFill rotWithShape="1">
-          <a:gsLst>
-            <a:gs pos="0">
-              <a:schemeClr val="phClr">
-                <a:tint val="40000"/>
-                <a:satMod val="350000"/>
-              </a:schemeClr>
-            </a:gs>
-            <a:gs pos="40000">
-              <a:schemeClr val="phClr">
-                <a:tint val="45000"/>
-                <a:shade val="99000"/>
-                <a:satMod val="350000"/>
-              </a:schemeClr>
-            </a:gs>
-            <a:gs pos="100000">
-              <a:schemeClr val="phClr">
-                <a:shade val="20000"/>
-                <a:satMod val="255000"/>
-              </a:schemeClr>
-            </a:gs>
-          </a:gsLst>
-          <a:path path="circle">
-            <a:fillToRect l="50000" t="-80000" r="50000" b="180000"/>
-          </a:path>
-        </a:gradFill>
-        <a:gradFill rotWithShape="1">
-          <a:gsLst>
-            <a:gs pos="0">
-              <a:schemeClr val="phClr">
-                <a:tint val="80000"/>
-                <a:satMod val="300000"/>
-              </a:schemeClr>
-            </a:gs>
-            <a:gs pos="100000">
-              <a:schemeClr val="phClr">
-                <a:shade val="30000"/>
-                <a:satMod val="200000"/>
-              </a:schemeClr>
-            </a:gs>
-          </a:gsLst>
-          <a:path path="circle">
-            <a:fillToRect l="50000" t="50000" r="50000" b="50000"/>
-          </a:path>
-        </a:gradFill>
-      </a:bgFillStyleLst>
-    </a:fmtScheme>
-  </a:themeElements>
-</a:theme>
 </file>
--- a/etelfutar_ppt_uj.pptx
+++ b/etelfutar_ppt_uj.pptx
@@ -21,6 +21,8 @@
     <p:sldId id="266" r:id="rId16"/>
     <p:sldId id="267" r:id="rId17"/>
     <p:sldId id="268" r:id="rId18"/>
+    <p:sldId id="269" r:id="rId19"/>
+    <p:sldId id="270" r:id="rId20"/>
   </p:sldIdLst>
   <p:sldSz cy="5143500" cx="9144000"/>
   <p:notesSz cx="6858000" cy="9144000"/>
@@ -969,7 +971,7 @@
       </p:grpSpPr>
       <p:sp>
         <p:nvSpPr>
-          <p:cNvPr id="106" name="Google Shape;106;p10:notes"/>
+          <p:cNvPr id="106" name="Google Shape;106;p9:notes"/>
           <p:cNvSpPr/>
           <p:nvPr>
             <p:ph idx="2" type="sldImg"/>
@@ -1014,7 +1016,7 @@
       </p:sp>
       <p:sp>
         <p:nvSpPr>
-          <p:cNvPr id="107" name="Google Shape;107;p10:notes"/>
+          <p:cNvPr id="107" name="Google Shape;107;p9:notes"/>
           <p:cNvSpPr txBox="1"/>
           <p:nvPr>
             <p:ph idx="1" type="body"/>
@@ -1086,7 +1088,7 @@
       </p:grpSpPr>
       <p:sp>
         <p:nvSpPr>
-          <p:cNvPr id="112" name="Google Shape;112;p11:notes"/>
+          <p:cNvPr id="112" name="Google Shape;112;p10:notes"/>
           <p:cNvSpPr/>
           <p:nvPr>
             <p:ph idx="2" type="sldImg"/>
@@ -1131,7 +1133,7 @@
       </p:sp>
       <p:sp>
         <p:nvSpPr>
-          <p:cNvPr id="113" name="Google Shape;113;p11:notes"/>
+          <p:cNvPr id="113" name="Google Shape;113;p10:notes"/>
           <p:cNvSpPr txBox="1"/>
           <p:nvPr>
             <p:ph idx="1" type="body"/>
@@ -1203,7 +1205,7 @@
       </p:grpSpPr>
       <p:sp>
         <p:nvSpPr>
-          <p:cNvPr id="118" name="Google Shape;118;g32fcb92857c_0_0:notes"/>
+          <p:cNvPr id="118" name="Google Shape;118;p11:notes"/>
           <p:cNvSpPr/>
           <p:nvPr>
             <p:ph idx="2" type="sldImg"/>
@@ -1248,7 +1250,7 @@
       </p:sp>
       <p:sp>
         <p:nvSpPr>
-          <p:cNvPr id="119" name="Google Shape;119;g32fcb92857c_0_0:notes"/>
+          <p:cNvPr id="119" name="Google Shape;119;p11:notes"/>
           <p:cNvSpPr txBox="1"/>
           <p:nvPr>
             <p:ph idx="1" type="body"/>
@@ -1320,7 +1322,7 @@
       </p:grpSpPr>
       <p:sp>
         <p:nvSpPr>
-          <p:cNvPr id="124" name="Google Shape;124;g32fcb92857c_0_8:notes"/>
+          <p:cNvPr id="124" name="Google Shape;124;p12:notes"/>
           <p:cNvSpPr/>
           <p:nvPr>
             <p:ph idx="2" type="sldImg"/>
@@ -1365,7 +1367,241 @@
       </p:sp>
       <p:sp>
         <p:nvSpPr>
-          <p:cNvPr id="125" name="Google Shape;125;g32fcb92857c_0_8:notes"/>
+          <p:cNvPr id="125" name="Google Shape;125;p12:notes"/>
+          <p:cNvSpPr txBox="1"/>
+          <p:nvPr>
+            <p:ph idx="1" type="body"/>
+          </p:nvPr>
+        </p:nvSpPr>
+        <p:spPr>
+          <a:xfrm>
+            <a:off x="685800" y="4343400"/>
+            <a:ext cx="5486400" cy="4114800"/>
+          </a:xfrm>
+          <a:prstGeom prst="rect">
+            <a:avLst/>
+          </a:prstGeom>
+          <a:noFill/>
+          <a:ln>
+            <a:noFill/>
+          </a:ln>
+        </p:spPr>
+        <p:txBody>
+          <a:bodyPr anchorCtr="0" anchor="t" bIns="91425" lIns="91425" spcFirstLastPara="1" rIns="91425" wrap="square" tIns="91425">
+            <a:noAutofit/>
+          </a:bodyPr>
+          <a:lstStyle/>
+          <a:p>
+            <a:pPr indent="0" lvl="0" marL="0" rtl="0" algn="l">
+              <a:lnSpc>
+                <a:spcPct val="100000"/>
+              </a:lnSpc>
+              <a:spcBef>
+                <a:spcPts val="0"/>
+              </a:spcBef>
+              <a:spcAft>
+                <a:spcPts val="0"/>
+              </a:spcAft>
+              <a:buSzPts val="1100"/>
+              <a:buNone/>
+            </a:pPr>
+            <a:r>
+              <a:t/>
+            </a:r>
+            <a:endParaRPr/>
+          </a:p>
+        </p:txBody>
+      </p:sp>
+    </p:spTree>
+  </p:cSld>
+  <p:clrMapOvr>
+    <a:masterClrMapping/>
+  </p:clrMapOvr>
+</p:notes>
+</file>
+
+<file path=ppt/notesSlides/notesSlide14.xml><?xml version="1.0" encoding="utf-8"?>
+<p:notes xmlns:a="http://schemas.openxmlformats.org/drawingml/2006/main" xmlns:r="http://schemas.openxmlformats.org/officeDocument/2006/relationships" xmlns:mc="http://schemas.openxmlformats.org/markup-compatibility/2006" xmlns:mv="urn:schemas-microsoft-com:mac:vml" xmlns:p="http://schemas.openxmlformats.org/presentationml/2006/main" xmlns:c="http://schemas.openxmlformats.org/drawingml/2006/chart" xmlns:dgm="http://schemas.openxmlformats.org/drawingml/2006/diagram" xmlns:o="urn:schemas-microsoft-com:office:office" xmlns:v="urn:schemas-microsoft-com:vml" xmlns:pvml="urn:schemas-microsoft-com:office:powerpoint" xmlns:com="http://schemas.openxmlformats.org/drawingml/2006/compatibility" xmlns:p14="http://schemas.microsoft.com/office/powerpoint/2010/main" xmlns:p15="http://schemas.microsoft.com/office/powerpoint/2012/main" xmlns:ahyp="http://schemas.microsoft.com/office/drawing/2018/hyperlinkcolor" showMasterPhAnim="0" showMasterSp="0">
+  <p:cSld>
+    <p:spTree>
+      <p:nvGrpSpPr>
+        <p:cNvPr id="129" name="Shape 129"/>
+        <p:cNvGrpSpPr/>
+        <p:nvPr/>
+      </p:nvGrpSpPr>
+      <p:grpSpPr>
+        <a:xfrm>
+          <a:off x="0" y="0"/>
+          <a:ext cx="0" cy="0"/>
+          <a:chOff x="0" y="0"/>
+          <a:chExt cx="0" cy="0"/>
+        </a:xfrm>
+      </p:grpSpPr>
+      <p:sp>
+        <p:nvSpPr>
+          <p:cNvPr id="130" name="Google Shape;130;p13:notes"/>
+          <p:cNvSpPr/>
+          <p:nvPr>
+            <p:ph idx="2" type="sldImg"/>
+          </p:nvPr>
+        </p:nvSpPr>
+        <p:spPr>
+          <a:xfrm>
+            <a:off x="381300" y="685800"/>
+            <a:ext cx="6096000" cy="3429000"/>
+          </a:xfrm>
+          <a:custGeom>
+            <a:rect b="b" l="l" r="r" t="t"/>
+            <a:pathLst>
+              <a:path extrusionOk="0" h="120000" w="120000">
+                <a:moveTo>
+                  <a:pt x="0" y="0"/>
+                </a:moveTo>
+                <a:lnTo>
+                  <a:pt x="120000" y="0"/>
+                </a:lnTo>
+                <a:lnTo>
+                  <a:pt x="120000" y="120000"/>
+                </a:lnTo>
+                <a:lnTo>
+                  <a:pt x="0" y="120000"/>
+                </a:lnTo>
+                <a:close/>
+              </a:path>
+            </a:pathLst>
+          </a:custGeom>
+          <a:noFill/>
+          <a:ln cap="flat" cmpd="sng" w="9525">
+            <a:solidFill>
+              <a:srgbClr val="000000"/>
+            </a:solidFill>
+            <a:prstDash val="solid"/>
+            <a:round/>
+            <a:headEnd len="sm" w="sm" type="none"/>
+            <a:tailEnd len="sm" w="sm" type="none"/>
+          </a:ln>
+        </p:spPr>
+      </p:sp>
+      <p:sp>
+        <p:nvSpPr>
+          <p:cNvPr id="131" name="Google Shape;131;p13:notes"/>
+          <p:cNvSpPr txBox="1"/>
+          <p:nvPr>
+            <p:ph idx="1" type="body"/>
+          </p:nvPr>
+        </p:nvSpPr>
+        <p:spPr>
+          <a:xfrm>
+            <a:off x="685800" y="4343400"/>
+            <a:ext cx="5486400" cy="4114800"/>
+          </a:xfrm>
+          <a:prstGeom prst="rect">
+            <a:avLst/>
+          </a:prstGeom>
+          <a:noFill/>
+          <a:ln>
+            <a:noFill/>
+          </a:ln>
+        </p:spPr>
+        <p:txBody>
+          <a:bodyPr anchorCtr="0" anchor="t" bIns="91425" lIns="91425" spcFirstLastPara="1" rIns="91425" wrap="square" tIns="91425">
+            <a:noAutofit/>
+          </a:bodyPr>
+          <a:lstStyle/>
+          <a:p>
+            <a:pPr indent="0" lvl="0" marL="0" rtl="0" algn="l">
+              <a:lnSpc>
+                <a:spcPct val="100000"/>
+              </a:lnSpc>
+              <a:spcBef>
+                <a:spcPts val="0"/>
+              </a:spcBef>
+              <a:spcAft>
+                <a:spcPts val="0"/>
+              </a:spcAft>
+              <a:buSzPts val="1100"/>
+              <a:buNone/>
+            </a:pPr>
+            <a:r>
+              <a:t/>
+            </a:r>
+            <a:endParaRPr/>
+          </a:p>
+        </p:txBody>
+      </p:sp>
+    </p:spTree>
+  </p:cSld>
+  <p:clrMapOvr>
+    <a:masterClrMapping/>
+  </p:clrMapOvr>
+</p:notes>
+</file>
+
+<file path=ppt/notesSlides/notesSlide15.xml><?xml version="1.0" encoding="utf-8"?>
+<p:notes xmlns:a="http://schemas.openxmlformats.org/drawingml/2006/main" xmlns:r="http://schemas.openxmlformats.org/officeDocument/2006/relationships" xmlns:mc="http://schemas.openxmlformats.org/markup-compatibility/2006" xmlns:mv="urn:schemas-microsoft-com:mac:vml" xmlns:p="http://schemas.openxmlformats.org/presentationml/2006/main" xmlns:c="http://schemas.openxmlformats.org/drawingml/2006/chart" xmlns:dgm="http://schemas.openxmlformats.org/drawingml/2006/diagram" xmlns:o="urn:schemas-microsoft-com:office:office" xmlns:v="urn:schemas-microsoft-com:vml" xmlns:pvml="urn:schemas-microsoft-com:office:powerpoint" xmlns:com="http://schemas.openxmlformats.org/drawingml/2006/compatibility" xmlns:p14="http://schemas.microsoft.com/office/powerpoint/2010/main" xmlns:p15="http://schemas.microsoft.com/office/powerpoint/2012/main" xmlns:ahyp="http://schemas.microsoft.com/office/drawing/2018/hyperlinkcolor" showMasterPhAnim="0" showMasterSp="0">
+  <p:cSld>
+    <p:spTree>
+      <p:nvGrpSpPr>
+        <p:cNvPr id="137" name="Shape 137"/>
+        <p:cNvGrpSpPr/>
+        <p:nvPr/>
+      </p:nvGrpSpPr>
+      <p:grpSpPr>
+        <a:xfrm>
+          <a:off x="0" y="0"/>
+          <a:ext cx="0" cy="0"/>
+          <a:chOff x="0" y="0"/>
+          <a:chExt cx="0" cy="0"/>
+        </a:xfrm>
+      </p:grpSpPr>
+      <p:sp>
+        <p:nvSpPr>
+          <p:cNvPr id="138" name="Google Shape;138;g2d919dac1b3_0_1:notes"/>
+          <p:cNvSpPr/>
+          <p:nvPr>
+            <p:ph idx="2" type="sldImg"/>
+          </p:nvPr>
+        </p:nvSpPr>
+        <p:spPr>
+          <a:xfrm>
+            <a:off x="381300" y="685800"/>
+            <a:ext cx="6096000" cy="3429000"/>
+          </a:xfrm>
+          <a:custGeom>
+            <a:rect b="b" l="l" r="r" t="t"/>
+            <a:pathLst>
+              <a:path extrusionOk="0" h="120000" w="120000">
+                <a:moveTo>
+                  <a:pt x="0" y="0"/>
+                </a:moveTo>
+                <a:lnTo>
+                  <a:pt x="120000" y="0"/>
+                </a:lnTo>
+                <a:lnTo>
+                  <a:pt x="120000" y="120000"/>
+                </a:lnTo>
+                <a:lnTo>
+                  <a:pt x="0" y="120000"/>
+                </a:lnTo>
+                <a:close/>
+              </a:path>
+            </a:pathLst>
+          </a:custGeom>
+          <a:noFill/>
+          <a:ln cap="flat" cmpd="sng" w="9525">
+            <a:solidFill>
+              <a:srgbClr val="000000"/>
+            </a:solidFill>
+            <a:prstDash val="solid"/>
+            <a:round/>
+            <a:headEnd len="sm" w="sm" type="none"/>
+            <a:tailEnd len="sm" w="sm" type="none"/>
+          </a:ln>
+        </p:spPr>
+      </p:sp>
+      <p:sp>
+        <p:nvSpPr>
+          <p:cNvPr id="139" name="Google Shape;139;g2d919dac1b3_0_1:notes"/>
           <p:cNvSpPr txBox="1"/>
           <p:nvPr>
             <p:ph idx="1" type="body"/>
@@ -1671,7 +1907,7 @@
       </p:grpSpPr>
       <p:sp>
         <p:nvSpPr>
-          <p:cNvPr id="69" name="Google Shape;69;p4:notes"/>
+          <p:cNvPr id="69" name="Google Shape;69;g2d919dac1b3_0_9:notes"/>
           <p:cNvSpPr/>
           <p:nvPr>
             <p:ph idx="2" type="sldImg"/>
@@ -1716,7 +1952,7 @@
       </p:sp>
       <p:sp>
         <p:nvSpPr>
-          <p:cNvPr id="70" name="Google Shape;70;p4:notes"/>
+          <p:cNvPr id="70" name="Google Shape;70;g2d919dac1b3_0_9:notes"/>
           <p:cNvSpPr txBox="1"/>
           <p:nvPr>
             <p:ph idx="1" type="body"/>
@@ -1788,7 +2024,7 @@
       </p:grpSpPr>
       <p:sp>
         <p:nvSpPr>
-          <p:cNvPr id="75" name="Google Shape;75;p5:notes"/>
+          <p:cNvPr id="75" name="Google Shape;75;p4:notes"/>
           <p:cNvSpPr/>
           <p:nvPr>
             <p:ph idx="2" type="sldImg"/>
@@ -1833,7 +2069,7 @@
       </p:sp>
       <p:sp>
         <p:nvSpPr>
-          <p:cNvPr id="76" name="Google Shape;76;p5:notes"/>
+          <p:cNvPr id="76" name="Google Shape;76;p4:notes"/>
           <p:cNvSpPr txBox="1"/>
           <p:nvPr>
             <p:ph idx="1" type="body"/>
@@ -1891,7 +2127,7 @@
   <p:cSld>
     <p:spTree>
       <p:nvGrpSpPr>
-        <p:cNvPr id="81" name="Shape 81"/>
+        <p:cNvPr id="80" name="Shape 80"/>
         <p:cNvGrpSpPr/>
         <p:nvPr/>
       </p:nvGrpSpPr>
@@ -1905,7 +2141,7 @@
       </p:grpSpPr>
       <p:sp>
         <p:nvSpPr>
-          <p:cNvPr id="82" name="Google Shape;82;p6:notes"/>
+          <p:cNvPr id="81" name="Google Shape;81;p5:notes"/>
           <p:cNvSpPr/>
           <p:nvPr>
             <p:ph idx="2" type="sldImg"/>
@@ -1950,7 +2186,7 @@
       </p:sp>
       <p:sp>
         <p:nvSpPr>
-          <p:cNvPr id="83" name="Google Shape;83;p6:notes"/>
+          <p:cNvPr id="82" name="Google Shape;82;p5:notes"/>
           <p:cNvSpPr txBox="1"/>
           <p:nvPr>
             <p:ph idx="1" type="body"/>
@@ -2022,7 +2258,7 @@
       </p:grpSpPr>
       <p:sp>
         <p:nvSpPr>
-          <p:cNvPr id="88" name="Google Shape;88;p7:notes"/>
+          <p:cNvPr id="88" name="Google Shape;88;p6:notes"/>
           <p:cNvSpPr/>
           <p:nvPr>
             <p:ph idx="2" type="sldImg"/>
@@ -2067,7 +2303,7 @@
       </p:sp>
       <p:sp>
         <p:nvSpPr>
-          <p:cNvPr id="89" name="Google Shape;89;p7:notes"/>
+          <p:cNvPr id="89" name="Google Shape;89;p6:notes"/>
           <p:cNvSpPr txBox="1"/>
           <p:nvPr>
             <p:ph idx="1" type="body"/>
@@ -2139,7 +2375,7 @@
       </p:grpSpPr>
       <p:sp>
         <p:nvSpPr>
-          <p:cNvPr id="94" name="Google Shape;94;p8:notes"/>
+          <p:cNvPr id="94" name="Google Shape;94;p7:notes"/>
           <p:cNvSpPr/>
           <p:nvPr>
             <p:ph idx="2" type="sldImg"/>
@@ -2184,7 +2420,7 @@
       </p:sp>
       <p:sp>
         <p:nvSpPr>
-          <p:cNvPr id="95" name="Google Shape;95;p8:notes"/>
+          <p:cNvPr id="95" name="Google Shape;95;p7:notes"/>
           <p:cNvSpPr txBox="1"/>
           <p:nvPr>
             <p:ph idx="1" type="body"/>
@@ -2256,7 +2492,7 @@
       </p:grpSpPr>
       <p:sp>
         <p:nvSpPr>
-          <p:cNvPr id="100" name="Google Shape;100;p9:notes"/>
+          <p:cNvPr id="100" name="Google Shape;100;p8:notes"/>
           <p:cNvSpPr/>
           <p:nvPr>
             <p:ph idx="2" type="sldImg"/>
@@ -2301,7 +2537,7 @@
       </p:sp>
       <p:sp>
         <p:nvSpPr>
-          <p:cNvPr id="101" name="Google Shape;101;p9:notes"/>
+          <p:cNvPr id="101" name="Google Shape;101;p8:notes"/>
           <p:cNvSpPr txBox="1"/>
           <p:nvPr>
             <p:ph idx="1" type="body"/>
@@ -10186,7 +10422,7 @@
             </a:pPr>
             <a:r>
               <a:rPr lang="hu"/>
-              <a:t>Ételfutár Weboldalnak a Kosár Rácsszerkezete:</a:t>
+              <a:t>Ételfutár Weboldalnak a Miskolci Éttermek Rácsszerkezete:</a:t>
             </a:r>
             <a:endParaRPr/>
           </a:p>
@@ -10207,8 +10443,8 @@
         </p:blipFill>
         <p:spPr>
           <a:xfrm>
-            <a:off x="152400" y="1170125"/>
-            <a:ext cx="5088948" cy="3820975"/>
+            <a:off x="3305925" y="1170125"/>
+            <a:ext cx="5087062" cy="3820974"/>
           </a:xfrm>
           <a:prstGeom prst="rect">
             <a:avLst/>
@@ -10281,12 +10517,16 @@
               <a:spcAft>
                 <a:spcPts val="0"/>
               </a:spcAft>
-              <a:buSzPct val="111111"/>
+              <a:buClr>
+                <a:schemeClr val="dk1"/>
+              </a:buClr>
+              <a:buSzPct val="39285"/>
+              <a:buFont typeface="Arial"/>
               <a:buNone/>
             </a:pPr>
             <a:r>
               <a:rPr lang="hu"/>
-              <a:t>Ételfutár Weboldal jelenlegi állapota, kinézete:</a:t>
+              <a:t>Ételfutár Weboldalnak a Kosár Rácsszerkezete:</a:t>
             </a:r>
             <a:endParaRPr/>
           </a:p>
@@ -10298,18 +10538,17 @@
           <p:cNvPicPr preferRelativeResize="0"/>
           <p:nvPr/>
         </p:nvPicPr>
-        <p:blipFill>
+        <p:blipFill rotWithShape="1">
           <a:blip r:embed="rId3">
             <a:alphaModFix/>
           </a:blip>
-          <a:stretch>
-            <a:fillRect/>
-          </a:stretch>
+          <a:srcRect b="0" l="0" r="0" t="0"/>
+          <a:stretch/>
         </p:blipFill>
         <p:spPr>
           <a:xfrm>
             <a:off x="152400" y="1170125"/>
-            <a:ext cx="8079595" cy="3820975"/>
+            <a:ext cx="5088948" cy="3820975"/>
           </a:xfrm>
           <a:prstGeom prst="rect">
             <a:avLst/>
@@ -10387,22 +10626,29 @@
             </a:pPr>
             <a:r>
               <a:rPr lang="hu"/>
-              <a:t>Adminisztrációs felület-WPF Alkalmazás:</a:t>
+              <a:t>Ételfutár Weboldal jelenlegi állapota, kinézete:</a:t>
             </a:r>
             <a:endParaRPr/>
           </a:p>
         </p:txBody>
       </p:sp>
-      <p:sp>
-        <p:nvSpPr>
+      <p:pic>
+        <p:nvPicPr>
           <p:cNvPr id="122" name="Google Shape;122;p24"/>
-          <p:cNvSpPr txBox="1"/>
+          <p:cNvPicPr preferRelativeResize="0"/>
           <p:nvPr/>
-        </p:nvSpPr>
+        </p:nvPicPr>
+        <p:blipFill rotWithShape="1">
+          <a:blip r:embed="rId3">
+            <a:alphaModFix/>
+          </a:blip>
+          <a:srcRect b="0" l="0" r="0" t="0"/>
+          <a:stretch/>
+        </p:blipFill>
         <p:spPr>
           <a:xfrm>
-            <a:off x="311700" y="1017725"/>
-            <a:ext cx="8335500" cy="1723800"/>
+            <a:off x="152400" y="1170125"/>
+            <a:ext cx="8079595" cy="3820975"/>
           </a:xfrm>
           <a:prstGeom prst="rect">
             <a:avLst/>
@@ -10412,61 +10658,7 @@
             <a:noFill/>
           </a:ln>
         </p:spPr>
-        <p:txBody>
-          <a:bodyPr anchorCtr="0" anchor="t" bIns="91425" lIns="91425" spcFirstLastPara="1" rIns="91425" wrap="square" tIns="91425">
-            <a:spAutoFit/>
-          </a:bodyPr>
-          <a:lstStyle/>
-          <a:p>
-            <a:pPr indent="0" lvl="0" marL="0" rtl="0" algn="l">
-              <a:spcBef>
-                <a:spcPts val="0"/>
-              </a:spcBef>
-              <a:spcAft>
-                <a:spcPts val="0"/>
-              </a:spcAft>
-              <a:buNone/>
-            </a:pPr>
-            <a:r>
-              <a:rPr lang="hu" sz="2000">
-                <a:solidFill>
-                  <a:schemeClr val="dk1"/>
-                </a:solidFill>
-              </a:rPr>
-              <a:t>A WPF alkalmazás egy felhasználó kezelő program amely segítségével az “Adminisztrátor” kezelheti a felhasználóit: létrehozhat újat,törölhet,módosíthat.</a:t>
-            </a:r>
-            <a:endParaRPr sz="2000">
-              <a:solidFill>
-                <a:schemeClr val="dk1"/>
-              </a:solidFill>
-            </a:endParaRPr>
-          </a:p>
-          <a:p>
-            <a:pPr indent="0" lvl="0" marL="0" rtl="0" algn="l">
-              <a:spcBef>
-                <a:spcPts val="0"/>
-              </a:spcBef>
-              <a:spcAft>
-                <a:spcPts val="0"/>
-              </a:spcAft>
-              <a:buNone/>
-            </a:pPr>
-            <a:r>
-              <a:rPr lang="hu" sz="2000">
-                <a:solidFill>
-                  <a:schemeClr val="dk1"/>
-                </a:solidFill>
-              </a:rPr>
-              <a:t>Csak be kell jelentkezni “Admin” felhasználóként és kész. Illetve be is lehet regisztrálni egy új felhasználót.</a:t>
-            </a:r>
-            <a:endParaRPr sz="2000">
-              <a:solidFill>
-                <a:schemeClr val="dk1"/>
-              </a:solidFill>
-            </a:endParaRPr>
-          </a:p>
-        </p:txBody>
-      </p:sp>
+      </p:pic>
     </p:spTree>
   </p:cSld>
   <p:clrMapOvr>
@@ -10534,6 +10726,185 @@
             </a:pPr>
             <a:r>
               <a:rPr lang="hu"/>
+              <a:t>Adminisztrációs felület-WPF Alkalmazás:</a:t>
+            </a:r>
+            <a:endParaRPr/>
+          </a:p>
+        </p:txBody>
+      </p:sp>
+      <p:sp>
+        <p:nvSpPr>
+          <p:cNvPr id="128" name="Google Shape;128;p25"/>
+          <p:cNvSpPr txBox="1"/>
+          <p:nvPr/>
+        </p:nvSpPr>
+        <p:spPr>
+          <a:xfrm>
+            <a:off x="311700" y="1017725"/>
+            <a:ext cx="8335500" cy="1723800"/>
+          </a:xfrm>
+          <a:prstGeom prst="rect">
+            <a:avLst/>
+          </a:prstGeom>
+          <a:noFill/>
+          <a:ln>
+            <a:noFill/>
+          </a:ln>
+        </p:spPr>
+        <p:txBody>
+          <a:bodyPr anchorCtr="0" anchor="t" bIns="91425" lIns="91425" spcFirstLastPara="1" rIns="91425" wrap="square" tIns="91425">
+            <a:spAutoFit/>
+          </a:bodyPr>
+          <a:lstStyle/>
+          <a:p>
+            <a:pPr indent="0" lvl="0" marL="0" marR="0" rtl="0" algn="l">
+              <a:lnSpc>
+                <a:spcPct val="100000"/>
+              </a:lnSpc>
+              <a:spcBef>
+                <a:spcPts val="0"/>
+              </a:spcBef>
+              <a:spcAft>
+                <a:spcPts val="0"/>
+              </a:spcAft>
+              <a:buClr>
+                <a:srgbClr val="000000"/>
+              </a:buClr>
+              <a:buSzPts val="2000"/>
+              <a:buFont typeface="Arial"/>
+              <a:buNone/>
+            </a:pPr>
+            <a:r>
+              <a:rPr b="0" i="0" lang="hu" sz="2000" u="none" cap="none" strike="noStrike">
+                <a:solidFill>
+                  <a:schemeClr val="dk2"/>
+                </a:solidFill>
+                <a:latin typeface="Arial"/>
+                <a:ea typeface="Arial"/>
+                <a:cs typeface="Arial"/>
+                <a:sym typeface="Arial"/>
+              </a:rPr>
+              <a:t>A WPF alkalmazás egy felhasználó kezelő program amely segítségével az “Adminisztrátor” kezelheti a felhasználóit: létrehozhat újat,törölhet,módosíthat.</a:t>
+            </a:r>
+            <a:endParaRPr b="0" i="0" sz="2000" u="none" cap="none" strike="noStrike">
+              <a:solidFill>
+                <a:schemeClr val="dk2"/>
+              </a:solidFill>
+              <a:latin typeface="Arial"/>
+              <a:ea typeface="Arial"/>
+              <a:cs typeface="Arial"/>
+              <a:sym typeface="Arial"/>
+            </a:endParaRPr>
+          </a:p>
+          <a:p>
+            <a:pPr indent="0" lvl="0" marL="0" marR="0" rtl="0" algn="l">
+              <a:lnSpc>
+                <a:spcPct val="100000"/>
+              </a:lnSpc>
+              <a:spcBef>
+                <a:spcPts val="0"/>
+              </a:spcBef>
+              <a:spcAft>
+                <a:spcPts val="0"/>
+              </a:spcAft>
+              <a:buClr>
+                <a:srgbClr val="000000"/>
+              </a:buClr>
+              <a:buSzPts val="2000"/>
+              <a:buFont typeface="Arial"/>
+              <a:buNone/>
+            </a:pPr>
+            <a:r>
+              <a:rPr b="0" i="0" lang="hu" sz="2000" u="none" cap="none" strike="noStrike">
+                <a:solidFill>
+                  <a:schemeClr val="dk2"/>
+                </a:solidFill>
+                <a:latin typeface="Arial"/>
+                <a:ea typeface="Arial"/>
+                <a:cs typeface="Arial"/>
+                <a:sym typeface="Arial"/>
+              </a:rPr>
+              <a:t>Csak be kell jelentkezni “Admin” felhasználóként és kész. Illetve be is lehet regisztrálni egy új felhasználót.</a:t>
+            </a:r>
+            <a:endParaRPr b="0" i="0" sz="2000" u="none" cap="none" strike="noStrike">
+              <a:solidFill>
+                <a:schemeClr val="dk2"/>
+              </a:solidFill>
+              <a:latin typeface="Arial"/>
+              <a:ea typeface="Arial"/>
+              <a:cs typeface="Arial"/>
+              <a:sym typeface="Arial"/>
+            </a:endParaRPr>
+          </a:p>
+        </p:txBody>
+      </p:sp>
+    </p:spTree>
+  </p:cSld>
+  <p:clrMapOvr>
+    <a:masterClrMapping/>
+  </p:clrMapOvr>
+</p:sld>
+</file>
+
+<file path=ppt/slides/slide14.xml><?xml version="1.0" encoding="utf-8"?>
+<p:sld xmlns:a="http://schemas.openxmlformats.org/drawingml/2006/main" xmlns:r="http://schemas.openxmlformats.org/officeDocument/2006/relationships" xmlns:mc="http://schemas.openxmlformats.org/markup-compatibility/2006" xmlns:mv="urn:schemas-microsoft-com:mac:vml" xmlns:p="http://schemas.openxmlformats.org/presentationml/2006/main" xmlns:c="http://schemas.openxmlformats.org/drawingml/2006/chart" xmlns:dgm="http://schemas.openxmlformats.org/drawingml/2006/diagram" xmlns:o="urn:schemas-microsoft-com:office:office" xmlns:v="urn:schemas-microsoft-com:vml" xmlns:pvml="urn:schemas-microsoft-com:office:powerpoint" xmlns:com="http://schemas.openxmlformats.org/drawingml/2006/compatibility" xmlns:p14="http://schemas.microsoft.com/office/powerpoint/2010/main" xmlns:p15="http://schemas.microsoft.com/office/powerpoint/2012/main" xmlns:ahyp="http://schemas.microsoft.com/office/drawing/2018/hyperlinkcolor">
+  <p:cSld>
+    <p:spTree>
+      <p:nvGrpSpPr>
+        <p:cNvPr id="132" name="Shape 132"/>
+        <p:cNvGrpSpPr/>
+        <p:nvPr/>
+      </p:nvGrpSpPr>
+      <p:grpSpPr>
+        <a:xfrm>
+          <a:off x="0" y="0"/>
+          <a:ext cx="0" cy="0"/>
+          <a:chOff x="0" y="0"/>
+          <a:chExt cx="0" cy="0"/>
+        </a:xfrm>
+      </p:grpSpPr>
+      <p:sp>
+        <p:nvSpPr>
+          <p:cNvPr id="133" name="Google Shape;133;p26"/>
+          <p:cNvSpPr txBox="1"/>
+          <p:nvPr>
+            <p:ph type="title"/>
+          </p:nvPr>
+        </p:nvSpPr>
+        <p:spPr>
+          <a:xfrm>
+            <a:off x="311700" y="445025"/>
+            <a:ext cx="8520600" cy="572700"/>
+          </a:xfrm>
+          <a:prstGeom prst="rect">
+            <a:avLst/>
+          </a:prstGeom>
+          <a:noFill/>
+          <a:ln>
+            <a:noFill/>
+          </a:ln>
+        </p:spPr>
+        <p:txBody>
+          <a:bodyPr anchorCtr="0" anchor="t" bIns="91425" lIns="91425" spcFirstLastPara="1" rIns="91425" wrap="square" tIns="91425">
+            <a:normAutofit fontScale="90000"/>
+          </a:bodyPr>
+          <a:lstStyle/>
+          <a:p>
+            <a:pPr indent="0" lvl="0" marL="0" rtl="0" algn="l">
+              <a:lnSpc>
+                <a:spcPct val="100000"/>
+              </a:lnSpc>
+              <a:spcBef>
+                <a:spcPts val="0"/>
+              </a:spcBef>
+              <a:spcAft>
+                <a:spcPts val="0"/>
+              </a:spcAft>
+              <a:buSzPct val="111111"/>
+              <a:buNone/>
+            </a:pPr>
+            <a:r>
+              <a:rPr lang="hu"/>
               <a:t>WPF Alkalmazás kinézete:</a:t>
             </a:r>
             <a:endParaRPr/>
@@ -10542,17 +10913,16 @@
       </p:sp>
       <p:pic>
         <p:nvPicPr>
-          <p:cNvPr id="128" name="Google Shape;128;p25"/>
+          <p:cNvPr id="134" name="Google Shape;134;p26"/>
           <p:cNvPicPr preferRelativeResize="0"/>
           <p:nvPr/>
         </p:nvPicPr>
-        <p:blipFill>
+        <p:blipFill rotWithShape="1">
           <a:blip r:embed="rId3">
             <a:alphaModFix/>
           </a:blip>
-          <a:stretch>
-            <a:fillRect/>
-          </a:stretch>
+          <a:srcRect b="0" l="0" r="0" t="0"/>
+          <a:stretch/>
         </p:blipFill>
         <p:spPr>
           <a:xfrm>
@@ -10570,21 +10940,20 @@
       </p:pic>
       <p:pic>
         <p:nvPicPr>
-          <p:cNvPr id="129" name="Google Shape;129;p25"/>
+          <p:cNvPr id="135" name="Google Shape;135;p26"/>
           <p:cNvPicPr preferRelativeResize="0"/>
           <p:nvPr/>
         </p:nvPicPr>
-        <p:blipFill>
+        <p:blipFill rotWithShape="1">
           <a:blip r:embed="rId4">
             <a:alphaModFix/>
           </a:blip>
-          <a:stretch>
-            <a:fillRect/>
-          </a:stretch>
+          <a:srcRect b="0" l="0" r="0" t="0"/>
+          <a:stretch/>
         </p:blipFill>
         <p:spPr>
           <a:xfrm>
-            <a:off x="3053238" y="1689840"/>
+            <a:off x="2769838" y="1689840"/>
             <a:ext cx="2691750" cy="2333711"/>
           </a:xfrm>
           <a:prstGeom prst="rect">
@@ -10598,7 +10967,7 @@
       </p:pic>
       <p:pic>
         <p:nvPicPr>
-          <p:cNvPr id="130" name="Google Shape;130;p25"/>
+          <p:cNvPr id="136" name="Google Shape;136;p26"/>
           <p:cNvPicPr preferRelativeResize="0"/>
           <p:nvPr/>
         </p:nvPicPr>
@@ -10612,8 +10981,109 @@
         </p:blipFill>
         <p:spPr>
           <a:xfrm>
-            <a:off x="6159725" y="1689850"/>
-            <a:ext cx="2672571" cy="2333700"/>
+            <a:off x="5592938" y="1148375"/>
+            <a:ext cx="3210840" cy="3820975"/>
+          </a:xfrm>
+          <a:prstGeom prst="rect">
+            <a:avLst/>
+          </a:prstGeom>
+          <a:noFill/>
+          <a:ln>
+            <a:noFill/>
+          </a:ln>
+        </p:spPr>
+      </p:pic>
+    </p:spTree>
+  </p:cSld>
+  <p:clrMapOvr>
+    <a:masterClrMapping/>
+  </p:clrMapOvr>
+</p:sld>
+</file>
+
+<file path=ppt/slides/slide15.xml><?xml version="1.0" encoding="utf-8"?>
+<p:sld xmlns:a="http://schemas.openxmlformats.org/drawingml/2006/main" xmlns:r="http://schemas.openxmlformats.org/officeDocument/2006/relationships" xmlns:mc="http://schemas.openxmlformats.org/markup-compatibility/2006" xmlns:mv="urn:schemas-microsoft-com:mac:vml" xmlns:p="http://schemas.openxmlformats.org/presentationml/2006/main" xmlns:c="http://schemas.openxmlformats.org/drawingml/2006/chart" xmlns:dgm="http://schemas.openxmlformats.org/drawingml/2006/diagram" xmlns:o="urn:schemas-microsoft-com:office:office" xmlns:v="urn:schemas-microsoft-com:vml" xmlns:pvml="urn:schemas-microsoft-com:office:powerpoint" xmlns:com="http://schemas.openxmlformats.org/drawingml/2006/compatibility" xmlns:p14="http://schemas.microsoft.com/office/powerpoint/2010/main" xmlns:p15="http://schemas.microsoft.com/office/powerpoint/2012/main" xmlns:ahyp="http://schemas.microsoft.com/office/drawing/2018/hyperlinkcolor">
+  <p:cSld>
+    <p:spTree>
+      <p:nvGrpSpPr>
+        <p:cNvPr id="140" name="Shape 140"/>
+        <p:cNvGrpSpPr/>
+        <p:nvPr/>
+      </p:nvGrpSpPr>
+      <p:grpSpPr>
+        <a:xfrm>
+          <a:off x="0" y="0"/>
+          <a:ext cx="0" cy="0"/>
+          <a:chOff x="0" y="0"/>
+          <a:chExt cx="0" cy="0"/>
+        </a:xfrm>
+      </p:grpSpPr>
+      <p:sp>
+        <p:nvSpPr>
+          <p:cNvPr id="141" name="Google Shape;141;p27"/>
+          <p:cNvSpPr txBox="1"/>
+          <p:nvPr>
+            <p:ph type="title"/>
+          </p:nvPr>
+        </p:nvSpPr>
+        <p:spPr>
+          <a:xfrm>
+            <a:off x="311700" y="445025"/>
+            <a:ext cx="8520600" cy="572700"/>
+          </a:xfrm>
+          <a:prstGeom prst="rect">
+            <a:avLst/>
+          </a:prstGeom>
+          <a:noFill/>
+          <a:ln>
+            <a:noFill/>
+          </a:ln>
+        </p:spPr>
+        <p:txBody>
+          <a:bodyPr anchorCtr="0" anchor="t" bIns="91425" lIns="91425" spcFirstLastPara="1" rIns="91425" wrap="square" tIns="91425">
+            <a:normAutofit fontScale="90000"/>
+          </a:bodyPr>
+          <a:lstStyle/>
+          <a:p>
+            <a:pPr indent="0" lvl="0" marL="0" rtl="0" algn="l">
+              <a:lnSpc>
+                <a:spcPct val="100000"/>
+              </a:lnSpc>
+              <a:spcBef>
+                <a:spcPts val="0"/>
+              </a:spcBef>
+              <a:spcAft>
+                <a:spcPts val="0"/>
+              </a:spcAft>
+              <a:buSzPct val="111111"/>
+              <a:buNone/>
+            </a:pPr>
+            <a:r>
+              <a:rPr lang="hu"/>
+              <a:t>WPF Alkalmazás kinézete:</a:t>
+            </a:r>
+            <a:endParaRPr/>
+          </a:p>
+        </p:txBody>
+      </p:sp>
+      <p:pic>
+        <p:nvPicPr>
+          <p:cNvPr id="142" name="Google Shape;142;p27"/>
+          <p:cNvPicPr preferRelativeResize="0"/>
+          <p:nvPr/>
+        </p:nvPicPr>
+        <p:blipFill>
+          <a:blip r:embed="rId3">
+            <a:alphaModFix/>
+          </a:blip>
+          <a:stretch>
+            <a:fillRect/>
+          </a:stretch>
+        </p:blipFill>
+        <p:spPr>
+          <a:xfrm>
+            <a:off x="152400" y="1170125"/>
+            <a:ext cx="6797460" cy="3820976"/>
           </a:xfrm>
           <a:prstGeom prst="rect">
             <a:avLst/>
@@ -10739,7 +11209,7 @@
             </a:pPr>
             <a:r>
               <a:rPr lang="hu" sz="2000"/>
-              <a:t>Mi vagyunk az Ételfutár. Üdvözöljük weblapunkon ahol kényelmesen rendelhet ételeket Miskolci éttermekből vagy akár egyéb városok éttermeiből. Cégünk étel rendeléssel és kiszállítással foglalkozik. Csak regisztráljon és már rendelhet is ételt házhoz azonnal. A kiszállítási díjat felszámoljuk amely 1000 Ft. Viszont cserébe kényelmesen, rugalmasan és friss ételt rendelhet tőlünk.</a:t>
+              <a:t>Mi vagyunk az Ételfutár. Üdvözöljük weblapunkon ahol kényelmesen rendelhet ételeket Miskolci éttermekből vagy akár egyéb városok éttermeiből. Cégünk étel rendeléssel és kiszállítással foglalkozik. Csak regisztráljon és már rendelhet is ételt házhoz azonnal. Kényelmesen, rugalmasan rendelhet friss ételt tőlünk.</a:t>
             </a:r>
             <a:endParaRPr sz="2000"/>
           </a:p>
@@ -10864,46 +11334,6 @@
             </a:r>
             <a:endParaRPr/>
           </a:p>
-          <a:p>
-            <a:pPr indent="0" lvl="0" marL="0" rtl="0" algn="l">
-              <a:lnSpc>
-                <a:spcPct val="105000"/>
-              </a:lnSpc>
-              <a:spcBef>
-                <a:spcPts val="1200"/>
-              </a:spcBef>
-              <a:spcAft>
-                <a:spcPts val="0"/>
-              </a:spcAft>
-              <a:buSzPts val="1665"/>
-              <a:buNone/>
-            </a:pPr>
-            <a:r>
-              <a:rPr lang="hu"/>
-              <a:t>Rendelés Terve:</a:t>
-            </a:r>
-            <a:endParaRPr/>
-          </a:p>
-          <a:p>
-            <a:pPr indent="0" lvl="0" marL="0" rtl="0" algn="l">
-              <a:lnSpc>
-                <a:spcPct val="105000"/>
-              </a:lnSpc>
-              <a:spcBef>
-                <a:spcPts val="1200"/>
-              </a:spcBef>
-              <a:spcAft>
-                <a:spcPts val="1200"/>
-              </a:spcAft>
-              <a:buSzPts val="1665"/>
-              <a:buNone/>
-            </a:pPr>
-            <a:r>
-              <a:rPr lang="hu"/>
-              <a:t>A főoldalon ha rákattintunk a “Rendelj most!” gombra akkor megjelennek a városok. Ha rákattintunk egy városra megjelennek az éttermek. Ha rákattintunk egy étteremre megjelennek az ételek. Ha rákattintunk egy ételre megjelennek az étel információi valamint a “kosárba” gomb lehetőség.</a:t>
-            </a:r>
-            <a:endParaRPr/>
-          </a:p>
         </p:txBody>
       </p:sp>
     </p:spTree>
@@ -10973,7 +11403,7 @@
             </a:pPr>
             <a:r>
               <a:rPr lang="hu"/>
-              <a:t>Backend Működése</a:t>
+              <a:t>Frontend Működése</a:t>
             </a:r>
             <a:endParaRPr/>
           </a:p>
@@ -10990,7 +11420,7 @@
         <p:spPr>
           <a:xfrm>
             <a:off x="311700" y="1152475"/>
-            <a:ext cx="8520600" cy="3416400"/>
+            <a:ext cx="8520600" cy="3886500"/>
           </a:xfrm>
           <a:prstGeom prst="rect">
             <a:avLst/>
@@ -11002,124 +11432,46 @@
         </p:spPr>
         <p:txBody>
           <a:bodyPr anchorCtr="0" anchor="t" bIns="91425" lIns="91425" spcFirstLastPara="1" rIns="91425" wrap="square" tIns="91425">
-            <a:normAutofit lnSpcReduction="20000"/>
+            <a:noAutofit/>
           </a:bodyPr>
           <a:lstStyle/>
           <a:p>
             <a:pPr indent="0" lvl="0" marL="0" rtl="0" algn="l">
               <a:lnSpc>
-                <a:spcPct val="115000"/>
-              </a:lnSpc>
-              <a:spcBef>
-                <a:spcPts val="0"/>
-              </a:spcBef>
-              <a:spcAft>
-                <a:spcPts val="0"/>
-              </a:spcAft>
-              <a:buSzPts val="1800"/>
+                <a:spcPct val="105000"/>
+              </a:lnSpc>
+              <a:spcBef>
+                <a:spcPts val="1200"/>
+              </a:spcBef>
+              <a:spcAft>
+                <a:spcPts val="0"/>
+              </a:spcAft>
+              <a:buSzPts val="1665"/>
               <a:buNone/>
             </a:pPr>
             <a:r>
               <a:rPr lang="hu"/>
-              <a:t>A “backend”-et c# programozási nyelven írtuk meg a Visual Studio 2022 nevezetű szoftver segítségével.</a:t>
+              <a:t>Rendelés Terve:</a:t>
             </a:r>
             <a:endParaRPr/>
           </a:p>
           <a:p>
             <a:pPr indent="0" lvl="0" marL="0" rtl="0" algn="l">
               <a:lnSpc>
-                <a:spcPct val="115000"/>
-              </a:lnSpc>
-              <a:spcBef>
-                <a:spcPts val="0"/>
-              </a:spcBef>
-              <a:spcAft>
-                <a:spcPts val="0"/>
-              </a:spcAft>
-              <a:buSzPts val="1800"/>
+                <a:spcPct val="105000"/>
+              </a:lnSpc>
+              <a:spcBef>
+                <a:spcPts val="1200"/>
+              </a:spcBef>
+              <a:spcAft>
+                <a:spcPts val="1200"/>
+              </a:spcAft>
+              <a:buSzPts val="1665"/>
               <a:buNone/>
             </a:pPr>
             <a:r>
               <a:rPr lang="hu"/>
-              <a:t>A “backend” a következő képpen működik. Van rengeteg végpont amely az oldal működéséért felelősek. Például a keresőnek kell a lekérdezéshez egy “backend”-es végpont amely lekérdezi az ételeket és ad rá találatokat.</a:t>
-            </a:r>
-            <a:endParaRPr/>
-          </a:p>
-          <a:p>
-            <a:pPr indent="0" lvl="0" marL="0" rtl="0" algn="l">
-              <a:lnSpc>
-                <a:spcPct val="115000"/>
-              </a:lnSpc>
-              <a:spcBef>
-                <a:spcPts val="1200"/>
-              </a:spcBef>
-              <a:spcAft>
-                <a:spcPts val="0"/>
-              </a:spcAft>
-              <a:buSzPts val="1800"/>
-              <a:buNone/>
-            </a:pPr>
-            <a:r>
-              <a:rPr lang="hu"/>
-              <a:t>A backend-ben “Scaffold konzolos parancs”-al legeneráltunk osztályokat amelyeket a Controllerek-ben használunk fel a végpontoknál.</a:t>
-            </a:r>
-            <a:endParaRPr/>
-          </a:p>
-          <a:p>
-            <a:pPr indent="0" lvl="0" marL="0" rtl="0" algn="l">
-              <a:lnSpc>
-                <a:spcPct val="115000"/>
-              </a:lnSpc>
-              <a:spcBef>
-                <a:spcPts val="1200"/>
-              </a:spcBef>
-              <a:spcAft>
-                <a:spcPts val="0"/>
-              </a:spcAft>
-              <a:buSzPts val="1800"/>
-              <a:buNone/>
-            </a:pPr>
-            <a:r>
-              <a:rPr lang="hu"/>
-              <a:t>Minden kontroller tartalmazhat végpontokat.</a:t>
-            </a:r>
-            <a:endParaRPr/>
-          </a:p>
-          <a:p>
-            <a:pPr indent="0" lvl="0" marL="0" rtl="0" algn="l">
-              <a:lnSpc>
-                <a:spcPct val="115000"/>
-              </a:lnSpc>
-              <a:spcBef>
-                <a:spcPts val="1200"/>
-              </a:spcBef>
-              <a:spcAft>
-                <a:spcPts val="0"/>
-              </a:spcAft>
-              <a:buSzPts val="1800"/>
-              <a:buNone/>
-            </a:pPr>
-            <a:r>
-              <a:t/>
-            </a:r>
-            <a:endParaRPr/>
-          </a:p>
-          <a:p>
-            <a:pPr indent="0" lvl="0" marL="0" rtl="0" algn="l">
-              <a:lnSpc>
-                <a:spcPct val="115000"/>
-              </a:lnSpc>
-              <a:spcBef>
-                <a:spcPts val="1200"/>
-              </a:spcBef>
-              <a:spcAft>
-                <a:spcPts val="1200"/>
-              </a:spcAft>
-              <a:buSzPts val="1800"/>
-              <a:buNone/>
-            </a:pPr>
-            <a:r>
-              <a:t/>
+              <a:t>A főoldalon ha rákattintunk a “Rendelj most!” gombra akkor megjelennek a városok. Ha rákattintunk egy városra megjelennek az éttermek. Ha rákattintunk egy étteremre megjelennek az ételek. Ha rákattintunk egy ételre megjelennek az étel információi valamint a “kosárba” gomb lehetőség.</a:t>
             </a:r>
             <a:endParaRPr/>
           </a:p>
@@ -11192,7 +11544,7 @@
             </a:pPr>
             <a:r>
               <a:rPr lang="hu"/>
-              <a:t>Adatbázis Működése</a:t>
+              <a:t>Backend Működése</a:t>
             </a:r>
             <a:endParaRPr/>
           </a:p>
@@ -11221,7 +11573,7 @@
         </p:spPr>
         <p:txBody>
           <a:bodyPr anchorCtr="0" anchor="t" bIns="91425" lIns="91425" spcFirstLastPara="1" rIns="91425" wrap="square" tIns="91425">
-            <a:normAutofit/>
+            <a:normAutofit lnSpcReduction="20000"/>
           </a:bodyPr>
           <a:lstStyle/>
           <a:p>
@@ -11230,7 +11582,7 @@
                 <a:spcPct val="115000"/>
               </a:lnSpc>
               <a:spcBef>
-                <a:spcPts val="1200"/>
+                <a:spcPts val="0"/>
               </a:spcBef>
               <a:spcAft>
                 <a:spcPts val="0"/>
@@ -11240,7 +11592,86 @@
             </a:pPr>
             <a:r>
               <a:rPr lang="hu"/>
-              <a:t>Az adatbázist MySQL-ben valósítottuk meg. Összesen 9 táblás adatbázist hoztunk létre a cél érdekében. A kapcsolatok a következőképpen vannak kialakítva:</a:t>
+              <a:t>A “backend”-et c# programozási nyelven írtuk meg a Visual Studio 2022 nevezetű szoftver segítségével.</a:t>
+            </a:r>
+            <a:endParaRPr/>
+          </a:p>
+          <a:p>
+            <a:pPr indent="0" lvl="0" marL="0" rtl="0" algn="l">
+              <a:lnSpc>
+                <a:spcPct val="115000"/>
+              </a:lnSpc>
+              <a:spcBef>
+                <a:spcPts val="0"/>
+              </a:spcBef>
+              <a:spcAft>
+                <a:spcPts val="0"/>
+              </a:spcAft>
+              <a:buSzPts val="1800"/>
+              <a:buNone/>
+            </a:pPr>
+            <a:r>
+              <a:rPr lang="hu"/>
+              <a:t>A “backend” a következő képpen működik. Van rengeteg végpont amely az oldal működéséért felelősek. Például a keresőnek kell a lekérdezéshez egy “backend”-es végpont amely lekérdezi az ételeket és ad rá találatokat.</a:t>
+            </a:r>
+            <a:endParaRPr/>
+          </a:p>
+          <a:p>
+            <a:pPr indent="0" lvl="0" marL="0" rtl="0" algn="l">
+              <a:lnSpc>
+                <a:spcPct val="115000"/>
+              </a:lnSpc>
+              <a:spcBef>
+                <a:spcPts val="1200"/>
+              </a:spcBef>
+              <a:spcAft>
+                <a:spcPts val="0"/>
+              </a:spcAft>
+              <a:buSzPts val="1800"/>
+              <a:buNone/>
+            </a:pPr>
+            <a:r>
+              <a:rPr lang="hu"/>
+              <a:t>A backend-ben “Scaffold konzolos parancs”-al legeneráltunk osztályokat amelyeket a Controllerek-ben használunk fel a végpontoknál.</a:t>
+            </a:r>
+            <a:endParaRPr/>
+          </a:p>
+          <a:p>
+            <a:pPr indent="0" lvl="0" marL="0" rtl="0" algn="l">
+              <a:lnSpc>
+                <a:spcPct val="115000"/>
+              </a:lnSpc>
+              <a:spcBef>
+                <a:spcPts val="1200"/>
+              </a:spcBef>
+              <a:spcAft>
+                <a:spcPts val="0"/>
+              </a:spcAft>
+              <a:buSzPts val="1800"/>
+              <a:buNone/>
+            </a:pPr>
+            <a:r>
+              <a:rPr lang="hu"/>
+              <a:t>Minden kontroller tartalmazhat végpontokat.</a:t>
+            </a:r>
+            <a:endParaRPr/>
+          </a:p>
+          <a:p>
+            <a:pPr indent="0" lvl="0" marL="0" rtl="0" algn="l">
+              <a:lnSpc>
+                <a:spcPct val="115000"/>
+              </a:lnSpc>
+              <a:spcBef>
+                <a:spcPts val="1200"/>
+              </a:spcBef>
+              <a:spcAft>
+                <a:spcPts val="0"/>
+              </a:spcAft>
+              <a:buSzPts val="1800"/>
+              <a:buNone/>
+            </a:pPr>
+            <a:r>
+              <a:t/>
             </a:r>
             <a:endParaRPr/>
           </a:p>
@@ -11265,33 +11696,6 @@
           </a:p>
         </p:txBody>
       </p:sp>
-      <p:pic>
-        <p:nvPicPr>
-          <p:cNvPr id="80" name="Google Shape;80;p17"/>
-          <p:cNvPicPr preferRelativeResize="0"/>
-          <p:nvPr/>
-        </p:nvPicPr>
-        <p:blipFill rotWithShape="1">
-          <a:blip r:embed="rId3">
-            <a:alphaModFix/>
-          </a:blip>
-          <a:srcRect b="0" l="0" r="0" t="0"/>
-          <a:stretch/>
-        </p:blipFill>
-        <p:spPr>
-          <a:xfrm>
-            <a:off x="1659400" y="1957150"/>
-            <a:ext cx="5825201" cy="3008349"/>
-          </a:xfrm>
-          <a:prstGeom prst="rect">
-            <a:avLst/>
-          </a:prstGeom>
-          <a:noFill/>
-          <a:ln>
-            <a:noFill/>
-          </a:ln>
-        </p:spPr>
-      </p:pic>
     </p:spTree>
   </p:cSld>
   <p:clrMapOvr>
@@ -11305,7 +11709,7 @@
   <p:cSld>
     <p:spTree>
       <p:nvGrpSpPr>
-        <p:cNvPr id="84" name="Shape 84"/>
+        <p:cNvPr id="83" name="Shape 83"/>
         <p:cNvGrpSpPr/>
         <p:nvPr/>
       </p:nvGrpSpPr>
@@ -11319,7 +11723,7 @@
       </p:grpSpPr>
       <p:sp>
         <p:nvSpPr>
-          <p:cNvPr id="85" name="Google Shape;85;p18"/>
+          <p:cNvPr id="84" name="Google Shape;84;p18"/>
           <p:cNvSpPr txBox="1"/>
           <p:nvPr>
             <p:ph type="title"/>
@@ -11359,7 +11763,74 @@
             </a:pPr>
             <a:r>
               <a:rPr lang="hu"/>
-              <a:t>Ételfutár Weboldalnak a Főoldal Rácsszerkezete:</a:t>
+              <a:t>Adatbázis Működése</a:t>
+            </a:r>
+            <a:endParaRPr/>
+          </a:p>
+        </p:txBody>
+      </p:sp>
+      <p:sp>
+        <p:nvSpPr>
+          <p:cNvPr id="85" name="Google Shape;85;p18"/>
+          <p:cNvSpPr txBox="1"/>
+          <p:nvPr>
+            <p:ph idx="1" type="body"/>
+          </p:nvPr>
+        </p:nvSpPr>
+        <p:spPr>
+          <a:xfrm>
+            <a:off x="311700" y="1152475"/>
+            <a:ext cx="8520600" cy="3416400"/>
+          </a:xfrm>
+          <a:prstGeom prst="rect">
+            <a:avLst/>
+          </a:prstGeom>
+          <a:noFill/>
+          <a:ln>
+            <a:noFill/>
+          </a:ln>
+        </p:spPr>
+        <p:txBody>
+          <a:bodyPr anchorCtr="0" anchor="t" bIns="91425" lIns="91425" spcFirstLastPara="1" rIns="91425" wrap="square" tIns="91425">
+            <a:normAutofit/>
+          </a:bodyPr>
+          <a:lstStyle/>
+          <a:p>
+            <a:pPr indent="0" lvl="0" marL="0" rtl="0" algn="l">
+              <a:lnSpc>
+                <a:spcPct val="115000"/>
+              </a:lnSpc>
+              <a:spcBef>
+                <a:spcPts val="1200"/>
+              </a:spcBef>
+              <a:spcAft>
+                <a:spcPts val="0"/>
+              </a:spcAft>
+              <a:buSzPts val="1800"/>
+              <a:buNone/>
+            </a:pPr>
+            <a:r>
+              <a:rPr lang="hu"/>
+              <a:t>Az adatbázist MySQL-ben valósítottuk meg. Összesen 9 táblás adatbázist hoztunk létre a cél érdekében. A kapcsolatok a következőképpen vannak kialakítva:</a:t>
+            </a:r>
+            <a:endParaRPr/>
+          </a:p>
+          <a:p>
+            <a:pPr indent="0" lvl="0" marL="0" rtl="0" algn="l">
+              <a:lnSpc>
+                <a:spcPct val="115000"/>
+              </a:lnSpc>
+              <a:spcBef>
+                <a:spcPts val="1200"/>
+              </a:spcBef>
+              <a:spcAft>
+                <a:spcPts val="1200"/>
+              </a:spcAft>
+              <a:buSzPts val="1800"/>
+              <a:buNone/>
+            </a:pPr>
+            <a:r>
+              <a:t/>
             </a:r>
             <a:endParaRPr/>
           </a:p>
@@ -11380,8 +11851,8 @@
         </p:blipFill>
         <p:spPr>
           <a:xfrm>
-            <a:off x="152400" y="1170125"/>
-            <a:ext cx="5085144" cy="3820976"/>
+            <a:off x="1659400" y="1957150"/>
+            <a:ext cx="5825201" cy="3008349"/>
           </a:xfrm>
           <a:prstGeom prst="rect">
             <a:avLst/>
@@ -11454,16 +11925,12 @@
               <a:spcAft>
                 <a:spcPts val="0"/>
               </a:spcAft>
-              <a:buClr>
-                <a:schemeClr val="dk1"/>
-              </a:buClr>
-              <a:buSzPct val="39285"/>
-              <a:buFont typeface="Arial"/>
+              <a:buSzPct val="111111"/>
               <a:buNone/>
             </a:pPr>
             <a:r>
               <a:rPr lang="hu"/>
-              <a:t>Ételfutár Weboldalnak a Regisztrálás Rácsszerkezete:</a:t>
+              <a:t>Ételfutár Weboldalnak a Főoldal Rácsszerkezete:</a:t>
             </a:r>
             <a:endParaRPr/>
           </a:p>
@@ -11485,7 +11952,7 @@
         <p:spPr>
           <a:xfrm>
             <a:off x="152400" y="1170125"/>
-            <a:ext cx="5088948" cy="3820975"/>
+            <a:ext cx="5085144" cy="3820976"/>
           </a:xfrm>
           <a:prstGeom prst="rect">
             <a:avLst/>
@@ -11567,7 +12034,7 @@
             </a:pPr>
             <a:r>
               <a:rPr lang="hu"/>
-              <a:t>Ételfutár Weboldalnak a Bejelentkezés Rácsszerkezete:</a:t>
+              <a:t>Ételfutár Weboldalnak a Regisztrálás Rácsszerkezete:</a:t>
             </a:r>
             <a:endParaRPr/>
           </a:p>
@@ -11671,7 +12138,7 @@
             </a:pPr>
             <a:r>
               <a:rPr lang="hu"/>
-              <a:t>Ételfutár Weboldalnak a Miskolci Éttermek Rácsszerkezete:</a:t>
+              <a:t>Ételfutár Weboldalnak a Bejelentkezés Rácsszerkezete:</a:t>
             </a:r>
             <a:endParaRPr/>
           </a:p>
@@ -11692,8 +12159,8 @@
         </p:blipFill>
         <p:spPr>
           <a:xfrm>
-            <a:off x="3305925" y="1170125"/>
-            <a:ext cx="5087062" cy="3820974"/>
+            <a:off x="152400" y="1170125"/>
+            <a:ext cx="5088948" cy="3820975"/>
           </a:xfrm>
           <a:prstGeom prst="rect">
             <a:avLst/>
@@ -11713,6 +12180,285 @@
 </file>
 
 <file path=ppt/theme/theme1.xml><?xml version="1.0" encoding="utf-8"?>
+<a:theme xmlns:a="http://schemas.openxmlformats.org/drawingml/2006/main" xmlns:r="http://schemas.openxmlformats.org/officeDocument/2006/relationships">
+  <a:themeElements>
+    <a:clrScheme name="Default">
+      <a:dk1>
+        <a:srgbClr val="000000"/>
+      </a:dk1>
+      <a:lt1>
+        <a:srgbClr val="FFFFFF"/>
+      </a:lt1>
+      <a:dk2>
+        <a:srgbClr val="158158"/>
+      </a:dk2>
+      <a:lt2>
+        <a:srgbClr val="F3F3F3"/>
+      </a:lt2>
+      <a:accent1>
+        <a:srgbClr val="058DC7"/>
+      </a:accent1>
+      <a:accent2>
+        <a:srgbClr val="50B432"/>
+      </a:accent2>
+      <a:accent3>
+        <a:srgbClr val="ED561B"/>
+      </a:accent3>
+      <a:accent4>
+        <a:srgbClr val="EDEF00"/>
+      </a:accent4>
+      <a:accent5>
+        <a:srgbClr val="24CBE5"/>
+      </a:accent5>
+      <a:accent6>
+        <a:srgbClr val="64E572"/>
+      </a:accent6>
+      <a:hlink>
+        <a:srgbClr val="2200CC"/>
+      </a:hlink>
+      <a:folHlink>
+        <a:srgbClr val="551A8B"/>
+      </a:folHlink>
+    </a:clrScheme>
+    <a:fontScheme name="Office">
+      <a:majorFont>
+        <a:latin typeface="Arial"/>
+        <a:ea typeface=""/>
+        <a:cs typeface=""/>
+        <a:font script="Jpan" typeface="ＭＳ Ｐゴシック"/>
+        <a:font script="Hang" typeface="맑은 고딕"/>
+        <a:font script="Hans" typeface="宋体"/>
+        <a:font script="Hant" typeface="新細明體"/>
+        <a:font script="Arab" typeface="Times New Roman"/>
+        <a:font script="Hebr" typeface="Times New Roman"/>
+        <a:font script="Thai" typeface="Angsana New"/>
+        <a:font script="Ethi" typeface="Nyala"/>
+        <a:font script="Beng" typeface="Vrinda"/>
+        <a:font script="Gujr" typeface="Shruti"/>
+        <a:font script="Khmr" typeface="MoolBoran"/>
+        <a:font script="Knda" typeface="Tunga"/>
+        <a:font script="Guru" typeface="Raavi"/>
+        <a:font script="Cans" typeface="Euphemia"/>
+        <a:font script="Cher" typeface="Plantagenet Cherokee"/>
+        <a:font script="Yiii" typeface="Microsoft Yi Baiti"/>
+        <a:font script="Tibt" typeface="Microsoft Himalaya"/>
+        <a:font script="Thaa" typeface="MV Boli"/>
+        <a:font script="Deva" typeface="Mangal"/>
+        <a:font script="Telu" typeface="Gautami"/>
+        <a:font script="Taml" typeface="Latha"/>
+        <a:font script="Syrc" typeface="Estrangelo Edessa"/>
+        <a:font script="Orya" typeface="Kalinga"/>
+        <a:font script="Mlym" typeface="Kartika"/>
+        <a:font script="Laoo" typeface="DokChampa"/>
+        <a:font script="Sinh" typeface="Iskoola Pota"/>
+        <a:font script="Mong" typeface="Mongolian Baiti"/>
+        <a:font script="Viet" typeface="Times New Roman"/>
+        <a:font script="Uigh" typeface="Microsoft Uighur"/>
+        <a:font script="Geor" typeface="Sylfaen"/>
+      </a:majorFont>
+      <a:minorFont>
+        <a:latin typeface="Arial"/>
+        <a:ea typeface=""/>
+        <a:cs typeface=""/>
+        <a:font script="Jpan" typeface="ＭＳ Ｐゴシック"/>
+        <a:font script="Hang" typeface="맑은 고딕"/>
+        <a:font script="Hans" typeface="宋体"/>
+        <a:font script="Hant" typeface="新細明體"/>
+        <a:font script="Arab" typeface="Arial"/>
+        <a:font script="Hebr" typeface="Arial"/>
+        <a:font script="Thai" typeface="Cordia New"/>
+        <a:font script="Ethi" typeface="Nyala"/>
+        <a:font script="Beng" typeface="Vrinda"/>
+        <a:font script="Gujr" typeface="Shruti"/>
+        <a:font script="Khmr" typeface="DaunPenh"/>
+        <a:font script="Knda" typeface="Tunga"/>
+        <a:font script="Guru" typeface="Raavi"/>
+        <a:font script="Cans" typeface="Euphemia"/>
+        <a:font script="Cher" typeface="Plantagenet Cherokee"/>
+        <a:font script="Yiii" typeface="Microsoft Yi Baiti"/>
+        <a:font script="Tibt" typeface="Microsoft Himalaya"/>
+        <a:font script="Thaa" typeface="MV Boli"/>
+        <a:font script="Deva" typeface="Mangal"/>
+        <a:font script="Telu" typeface="Gautami"/>
+        <a:font script="Taml" typeface="Latha"/>
+        <a:font script="Syrc" typeface="Estrangelo Edessa"/>
+        <a:font script="Orya" typeface="Kalinga"/>
+        <a:font script="Mlym" typeface="Kartika"/>
+        <a:font script="Laoo" typeface="DokChampa"/>
+        <a:font script="Sinh" typeface="Iskoola Pota"/>
+        <a:font script="Mong" typeface="Mongolian Baiti"/>
+        <a:font script="Viet" typeface="Arial"/>
+        <a:font script="Uigh" typeface="Microsoft Uighur"/>
+        <a:font script="Geor" typeface="Sylfaen"/>
+      </a:minorFont>
+    </a:fontScheme>
+    <a:fmtScheme name="Office">
+      <a:fillStyleLst>
+        <a:solidFill>
+          <a:schemeClr val="phClr"/>
+        </a:solidFill>
+        <a:gradFill rotWithShape="1">
+          <a:gsLst>
+            <a:gs pos="0">
+              <a:schemeClr val="phClr">
+                <a:tint val="50000"/>
+                <a:satMod val="300000"/>
+              </a:schemeClr>
+            </a:gs>
+            <a:gs pos="35000">
+              <a:schemeClr val="phClr">
+                <a:tint val="37000"/>
+                <a:satMod val="300000"/>
+              </a:schemeClr>
+            </a:gs>
+            <a:gs pos="100000">
+              <a:schemeClr val="phClr">
+                <a:tint val="15000"/>
+                <a:satMod val="350000"/>
+              </a:schemeClr>
+            </a:gs>
+          </a:gsLst>
+          <a:lin ang="16200000" scaled="1"/>
+        </a:gradFill>
+        <a:gradFill rotWithShape="1">
+          <a:gsLst>
+            <a:gs pos="0">
+              <a:schemeClr val="phClr">
+                <a:tint val="100000"/>
+                <a:shade val="100000"/>
+                <a:satMod val="130000"/>
+              </a:schemeClr>
+            </a:gs>
+            <a:gs pos="100000">
+              <a:schemeClr val="phClr">
+                <a:tint val="50000"/>
+                <a:shade val="100000"/>
+                <a:satMod val="350000"/>
+              </a:schemeClr>
+            </a:gs>
+          </a:gsLst>
+          <a:lin ang="16200000" scaled="0"/>
+        </a:gradFill>
+      </a:fillStyleLst>
+      <a:lnStyleLst>
+        <a:ln w="9525" cap="flat" cmpd="sng" algn="ctr">
+          <a:solidFill>
+            <a:schemeClr val="phClr">
+              <a:shade val="95000"/>
+              <a:satMod val="105000"/>
+            </a:schemeClr>
+          </a:solidFill>
+          <a:prstDash val="solid"/>
+        </a:ln>
+        <a:ln w="25400" cap="flat" cmpd="sng" algn="ctr">
+          <a:solidFill>
+            <a:schemeClr val="phClr"/>
+          </a:solidFill>
+          <a:prstDash val="solid"/>
+        </a:ln>
+        <a:ln w="38100" cap="flat" cmpd="sng" algn="ctr">
+          <a:solidFill>
+            <a:schemeClr val="phClr"/>
+          </a:solidFill>
+          <a:prstDash val="solid"/>
+        </a:ln>
+      </a:lnStyleLst>
+      <a:effectStyleLst>
+        <a:effectStyle>
+          <a:effectLst>
+            <a:outerShdw blurRad="40000" dist="20000" dir="5400000" rotWithShape="0">
+              <a:srgbClr val="000000">
+                <a:alpha val="38000"/>
+              </a:srgbClr>
+            </a:outerShdw>
+          </a:effectLst>
+        </a:effectStyle>
+        <a:effectStyle>
+          <a:effectLst>
+            <a:outerShdw blurRad="40000" dist="23000" dir="5400000" rotWithShape="0">
+              <a:srgbClr val="000000">
+                <a:alpha val="35000"/>
+              </a:srgbClr>
+            </a:outerShdw>
+          </a:effectLst>
+        </a:effectStyle>
+        <a:effectStyle>
+          <a:effectLst>
+            <a:outerShdw blurRad="40000" dist="23000" dir="5400000" rotWithShape="0">
+              <a:srgbClr val="000000">
+                <a:alpha val="35000"/>
+              </a:srgbClr>
+            </a:outerShdw>
+          </a:effectLst>
+          <a:scene3d>
+            <a:camera prst="orthographicFront">
+              <a:rot lat="0" lon="0" rev="0"/>
+            </a:camera>
+            <a:lightRig rig="threePt" dir="t">
+              <a:rot lat="0" lon="0" rev="1200000"/>
+            </a:lightRig>
+          </a:scene3d>
+          <a:sp3d>
+            <a:bevelT w="63500" h="25400"/>
+          </a:sp3d>
+        </a:effectStyle>
+      </a:effectStyleLst>
+      <a:bgFillStyleLst>
+        <a:solidFill>
+          <a:schemeClr val="phClr"/>
+        </a:solidFill>
+        <a:gradFill rotWithShape="1">
+          <a:gsLst>
+            <a:gs pos="0">
+              <a:schemeClr val="phClr">
+                <a:tint val="40000"/>
+                <a:satMod val="350000"/>
+              </a:schemeClr>
+            </a:gs>
+            <a:gs pos="40000">
+              <a:schemeClr val="phClr">
+                <a:tint val="45000"/>
+                <a:shade val="99000"/>
+                <a:satMod val="350000"/>
+              </a:schemeClr>
+            </a:gs>
+            <a:gs pos="100000">
+              <a:schemeClr val="phClr">
+                <a:shade val="20000"/>
+                <a:satMod val="255000"/>
+              </a:schemeClr>
+            </a:gs>
+          </a:gsLst>
+          <a:path path="circle">
+            <a:fillToRect l="50000" t="-80000" r="50000" b="180000"/>
+          </a:path>
+        </a:gradFill>
+        <a:gradFill rotWithShape="1">
+          <a:gsLst>
+            <a:gs pos="0">
+              <a:schemeClr val="phClr">
+                <a:tint val="80000"/>
+                <a:satMod val="300000"/>
+              </a:schemeClr>
+            </a:gs>
+            <a:gs pos="100000">
+              <a:schemeClr val="phClr">
+                <a:shade val="30000"/>
+                <a:satMod val="200000"/>
+              </a:schemeClr>
+            </a:gs>
+          </a:gsLst>
+          <a:path path="circle">
+            <a:fillToRect l="50000" t="50000" r="50000" b="50000"/>
+          </a:path>
+        </a:gradFill>
+      </a:bgFillStyleLst>
+    </a:fmtScheme>
+  </a:themeElements>
+</a:theme>
+</file>
+
+<file path=ppt/theme/theme2.xml><?xml version="1.0" encoding="utf-8"?>
 <a:theme xmlns:a="http://schemas.openxmlformats.org/drawingml/2006/main" xmlns:r="http://schemas.openxmlformats.org/officeDocument/2006/relationships" name="Simple Light">
   <a:themeElements>
     <a:clrScheme name="Simple Light">
@@ -11989,283 +12735,4 @@
     </a:fmtScheme>
   </a:themeElements>
 </a:theme>
-</file>
-
-<file path=ppt/theme/theme2.xml><?xml version="1.0" encoding="utf-8"?>
-<a:theme xmlns:a="http://schemas.openxmlformats.org/drawingml/2006/main" xmlns:r="http://schemas.openxmlformats.org/officeDocument/2006/relationships">
-  <a:themeElements>
-    <a:clrScheme name="Default">
-      <a:dk1>
-        <a:srgbClr val="000000"/>
-      </a:dk1>
-      <a:lt1>
-        <a:srgbClr val="FFFFFF"/>
-      </a:lt1>
-      <a:dk2>
-        <a:srgbClr val="158158"/>
-      </a:dk2>
-      <a:lt2>
-        <a:srgbClr val="F3F3F3"/>
-      </a:lt2>
-      <a:accent1>
-        <a:srgbClr val="058DC7"/>
-      </a:accent1>
-      <a:accent2>
-        <a:srgbClr val="50B432"/>
-      </a:accent2>
-      <a:accent3>
-        <a:srgbClr val="ED561B"/>
-      </a:accent3>
-      <a:accent4>
-        <a:srgbClr val="EDEF00"/>
-      </a:accent4>
-      <a:accent5>
-        <a:srgbClr val="24CBE5"/>
-      </a:accent5>
-      <a:accent6>
-        <a:srgbClr val="64E572"/>
-      </a:accent6>
-      <a:hlink>
-        <a:srgbClr val="2200CC"/>
-      </a:hlink>
-      <a:folHlink>
-        <a:srgbClr val="551A8B"/>
-      </a:folHlink>
-    </a:clrScheme>
-    <a:fontScheme name="Office">
-      <a:majorFont>
-        <a:latin typeface="Arial"/>
-        <a:ea typeface=""/>
-        <a:cs typeface=""/>
-        <a:font script="Jpan" typeface="ＭＳ Ｐゴシック"/>
-        <a:font script="Hang" typeface="맑은 고딕"/>
-        <a:font script="Hans" typeface="宋体"/>
-        <a:font script="Hant" typeface="新細明體"/>
-        <a:font script="Arab" typeface="Times New Roman"/>
-        <a:font script="Hebr" typeface="Times New Roman"/>
-        <a:font script="Thai" typeface="Angsana New"/>
-        <a:font script="Ethi" typeface="Nyala"/>
-        <a:font script="Beng" typeface="Vrinda"/>
-        <a:font script="Gujr" typeface="Shruti"/>
-        <a:font script="Khmr" typeface="MoolBoran"/>
-        <a:font script="Knda" typeface="Tunga"/>
-        <a:font script="Guru" typeface="Raavi"/>
-        <a:font script="Cans" typeface="Euphemia"/>
-        <a:font script="Cher" typeface="Plantagenet Cherokee"/>
-        <a:font script="Yiii" typeface="Microsoft Yi Baiti"/>
-        <a:font script="Tibt" typeface="Microsoft Himalaya"/>
-        <a:font script="Thaa" typeface="MV Boli"/>
-        <a:font script="Deva" typeface="Mangal"/>
-        <a:font script="Telu" typeface="Gautami"/>
-        <a:font script="Taml" typeface="Latha"/>
-        <a:font script="Syrc" typeface="Estrangelo Edessa"/>
-        <a:font script="Orya" typeface="Kalinga"/>
-        <a:font script="Mlym" typeface="Kartika"/>
-        <a:font script="Laoo" typeface="DokChampa"/>
-        <a:font script="Sinh" typeface="Iskoola Pota"/>
-        <a:font script="Mong" typeface="Mongolian Baiti"/>
-        <a:font script="Viet" typeface="Times New Roman"/>
-        <a:font script="Uigh" typeface="Microsoft Uighur"/>
-        <a:font script="Geor" typeface="Sylfaen"/>
-      </a:majorFont>
-      <a:minorFont>
-        <a:latin typeface="Arial"/>
-        <a:ea typeface=""/>
-        <a:cs typeface=""/>
-        <a:font script="Jpan" typeface="ＭＳ Ｐゴシック"/>
-        <a:font script="Hang" typeface="맑은 고딕"/>
-        <a:font script="Hans" typeface="宋体"/>
-        <a:font script="Hant" typeface="新細明體"/>
-        <a:font script="Arab" typeface="Arial"/>
-        <a:font script="Hebr" typeface="Arial"/>
-        <a:font script="Thai" typeface="Cordia New"/>
-        <a:font script="Ethi" typeface="Nyala"/>
-        <a:font script="Beng" typeface="Vrinda"/>
-        <a:font script="Gujr" typeface="Shruti"/>
-        <a:font script="Khmr" typeface="DaunPenh"/>
-        <a:font script="Knda" typeface="Tunga"/>
-        <a:font script="Guru" typeface="Raavi"/>
-        <a:font script="Cans" typeface="Euphemia"/>
-        <a:font script="Cher" typeface="Plantagenet Cherokee"/>
-        <a:font script="Yiii" typeface="Microsoft Yi Baiti"/>
-        <a:font script="Tibt" typeface="Microsoft Himalaya"/>
-        <a:font script="Thaa" typeface="MV Boli"/>
-        <a:font script="Deva" typeface="Mangal"/>
-        <a:font script="Telu" typeface="Gautami"/>
-        <a:font script="Taml" typeface="Latha"/>
-        <a:font script="Syrc" typeface="Estrangelo Edessa"/>
-        <a:font script="Orya" typeface="Kalinga"/>
-        <a:font script="Mlym" typeface="Kartika"/>
-        <a:font script="Laoo" typeface="DokChampa"/>
-        <a:font script="Sinh" typeface="Iskoola Pota"/>
-        <a:font script="Mong" typeface="Mongolian Baiti"/>
-        <a:font script="Viet" typeface="Arial"/>
-        <a:font script="Uigh" typeface="Microsoft Uighur"/>
-        <a:font script="Geor" typeface="Sylfaen"/>
-      </a:minorFont>
-    </a:fontScheme>
-    <a:fmtScheme name="Office">
-      <a:fillStyleLst>
-        <a:solidFill>
-          <a:schemeClr val="phClr"/>
-        </a:solidFill>
-        <a:gradFill rotWithShape="1">
-          <a:gsLst>
-            <a:gs pos="0">
-              <a:schemeClr val="phClr">
-                <a:tint val="50000"/>
-                <a:satMod val="300000"/>
-              </a:schemeClr>
-            </a:gs>
-            <a:gs pos="35000">
-              <a:schemeClr val="phClr">
-                <a:tint val="37000"/>
-                <a:satMod val="300000"/>
-              </a:schemeClr>
-            </a:gs>
-            <a:gs pos="100000">
-              <a:schemeClr val="phClr">
-                <a:tint val="15000"/>
-                <a:satMod val="350000"/>
-              </a:schemeClr>
-            </a:gs>
-          </a:gsLst>
-          <a:lin ang="16200000" scaled="1"/>
-        </a:gradFill>
-        <a:gradFill rotWithShape="1">
-          <a:gsLst>
-            <a:gs pos="0">
-              <a:schemeClr val="phClr">
-                <a:tint val="100000"/>
-                <a:shade val="100000"/>
-                <a:satMod val="130000"/>
-              </a:schemeClr>
-            </a:gs>
-            <a:gs pos="100000">
-              <a:schemeClr val="phClr">
-                <a:tint val="50000"/>
-                <a:shade val="100000"/>
-                <a:satMod val="350000"/>
-              </a:schemeClr>
-            </a:gs>
-          </a:gsLst>
-          <a:lin ang="16200000" scaled="0"/>
-        </a:gradFill>
-      </a:fillStyleLst>
-      <a:lnStyleLst>
-        <a:ln w="9525" cap="flat" cmpd="sng" algn="ctr">
-          <a:solidFill>
-            <a:schemeClr val="phClr">
-              <a:shade val="95000"/>
-              <a:satMod val="105000"/>
-            </a:schemeClr>
-          </a:solidFill>
-          <a:prstDash val="solid"/>
-        </a:ln>
-        <a:ln w="25400" cap="flat" cmpd="sng" algn="ctr">
-          <a:solidFill>
-            <a:schemeClr val="phClr"/>
-          </a:solidFill>
-          <a:prstDash val="solid"/>
-        </a:ln>
-        <a:ln w="38100" cap="flat" cmpd="sng" algn="ctr">
-          <a:solidFill>
-            <a:schemeClr val="phClr"/>
-          </a:solidFill>
-          <a:prstDash val="solid"/>
-        </a:ln>
-      </a:lnStyleLst>
-      <a:effectStyleLst>
-        <a:effectStyle>
-          <a:effectLst>
-            <a:outerShdw blurRad="40000" dist="20000" dir="5400000" rotWithShape="0">
-              <a:srgbClr val="000000">
-                <a:alpha val="38000"/>
-              </a:srgbClr>
-            </a:outerShdw>
-          </a:effectLst>
-        </a:effectStyle>
-        <a:effectStyle>
-          <a:effectLst>
-            <a:outerShdw blurRad="40000" dist="23000" dir="5400000" rotWithShape="0">
-              <a:srgbClr val="000000">
-                <a:alpha val="35000"/>
-              </a:srgbClr>
-            </a:outerShdw>
-          </a:effectLst>
-        </a:effectStyle>
-        <a:effectStyle>
-          <a:effectLst>
-            <a:outerShdw blurRad="40000" dist="23000" dir="5400000" rotWithShape="0">
-              <a:srgbClr val="000000">
-                <a:alpha val="35000"/>
-              </a:srgbClr>
-            </a:outerShdw>
-          </a:effectLst>
-          <a:scene3d>
-            <a:camera prst="orthographicFront">
-              <a:rot lat="0" lon="0" rev="0"/>
-            </a:camera>
-            <a:lightRig rig="threePt" dir="t">
-              <a:rot lat="0" lon="0" rev="1200000"/>
-            </a:lightRig>
-          </a:scene3d>
-          <a:sp3d>
-            <a:bevelT w="63500" h="25400"/>
-          </a:sp3d>
-        </a:effectStyle>
-      </a:effectStyleLst>
-      <a:bgFillStyleLst>
-        <a:solidFill>
-          <a:schemeClr val="phClr"/>
-        </a:solidFill>
-        <a:gradFill rotWithShape="1">
-          <a:gsLst>
-            <a:gs pos="0">
-              <a:schemeClr val="phClr">
-                <a:tint val="40000"/>
-                <a:satMod val="350000"/>
-              </a:schemeClr>
-            </a:gs>
-            <a:gs pos="40000">
-              <a:schemeClr val="phClr">
-                <a:tint val="45000"/>
-                <a:shade val="99000"/>
-                <a:satMod val="350000"/>
-              </a:schemeClr>
-            </a:gs>
-            <a:gs pos="100000">
-              <a:schemeClr val="phClr">
-                <a:shade val="20000"/>
-                <a:satMod val="255000"/>
-              </a:schemeClr>
-            </a:gs>
-          </a:gsLst>
-          <a:path path="circle">
-            <a:fillToRect l="50000" t="-80000" r="50000" b="180000"/>
-          </a:path>
-        </a:gradFill>
-        <a:gradFill rotWithShape="1">
-          <a:gsLst>
-            <a:gs pos="0">
-              <a:schemeClr val="phClr">
-                <a:tint val="80000"/>
-                <a:satMod val="300000"/>
-              </a:schemeClr>
-            </a:gs>
-            <a:gs pos="100000">
-              <a:schemeClr val="phClr">
-                <a:shade val="30000"/>
-                <a:satMod val="200000"/>
-              </a:schemeClr>
-            </a:gs>
-          </a:gsLst>
-          <a:path path="circle">
-            <a:fillToRect l="50000" t="50000" r="50000" b="50000"/>
-          </a:path>
-        </a:gradFill>
-      </a:bgFillStyleLst>
-    </a:fmtScheme>
-  </a:themeElements>
-</a:theme>
 </file>
--- a/etelfutar_ppt_uj.pptx
+++ b/etelfutar_ppt_uj.pptx
@@ -971,7 +971,7 @@
       </p:grpSpPr>
       <p:sp>
         <p:nvSpPr>
-          <p:cNvPr id="106" name="Google Shape;106;p9:notes"/>
+          <p:cNvPr id="106" name="Google Shape;106;p10:notes"/>
           <p:cNvSpPr/>
           <p:nvPr>
             <p:ph idx="2" type="sldImg"/>
@@ -1016,7 +1016,7 @@
       </p:sp>
       <p:sp>
         <p:nvSpPr>
-          <p:cNvPr id="107" name="Google Shape;107;p9:notes"/>
+          <p:cNvPr id="107" name="Google Shape;107;p10:notes"/>
           <p:cNvSpPr txBox="1"/>
           <p:nvPr>
             <p:ph idx="1" type="body"/>
@@ -1088,7 +1088,7 @@
       </p:grpSpPr>
       <p:sp>
         <p:nvSpPr>
-          <p:cNvPr id="112" name="Google Shape;112;p10:notes"/>
+          <p:cNvPr id="112" name="Google Shape;112;p11:notes"/>
           <p:cNvSpPr/>
           <p:nvPr>
             <p:ph idx="2" type="sldImg"/>
@@ -1133,7 +1133,7 @@
       </p:sp>
       <p:sp>
         <p:nvSpPr>
-          <p:cNvPr id="113" name="Google Shape;113;p10:notes"/>
+          <p:cNvPr id="113" name="Google Shape;113;p11:notes"/>
           <p:cNvSpPr txBox="1"/>
           <p:nvPr>
             <p:ph idx="1" type="body"/>
@@ -1205,7 +1205,7 @@
       </p:grpSpPr>
       <p:sp>
         <p:nvSpPr>
-          <p:cNvPr id="118" name="Google Shape;118;p11:notes"/>
+          <p:cNvPr id="118" name="Google Shape;118;p12:notes"/>
           <p:cNvSpPr/>
           <p:nvPr>
             <p:ph idx="2" type="sldImg"/>
@@ -1250,7 +1250,7 @@
       </p:sp>
       <p:sp>
         <p:nvSpPr>
-          <p:cNvPr id="119" name="Google Shape;119;p11:notes"/>
+          <p:cNvPr id="119" name="Google Shape;119;p12:notes"/>
           <p:cNvSpPr txBox="1"/>
           <p:nvPr>
             <p:ph idx="1" type="body"/>
@@ -1322,7 +1322,7 @@
       </p:grpSpPr>
       <p:sp>
         <p:nvSpPr>
-          <p:cNvPr id="124" name="Google Shape;124;p12:notes"/>
+          <p:cNvPr id="124" name="Google Shape;124;p13:notes"/>
           <p:cNvSpPr/>
           <p:nvPr>
             <p:ph idx="2" type="sldImg"/>
@@ -1367,7 +1367,7 @@
       </p:sp>
       <p:sp>
         <p:nvSpPr>
-          <p:cNvPr id="125" name="Google Shape;125;p12:notes"/>
+          <p:cNvPr id="125" name="Google Shape;125;p13:notes"/>
           <p:cNvSpPr txBox="1"/>
           <p:nvPr>
             <p:ph idx="1" type="body"/>
@@ -1439,7 +1439,7 @@
       </p:grpSpPr>
       <p:sp>
         <p:nvSpPr>
-          <p:cNvPr id="130" name="Google Shape;130;p13:notes"/>
+          <p:cNvPr id="130" name="Google Shape;130;p14:notes"/>
           <p:cNvSpPr/>
           <p:nvPr>
             <p:ph idx="2" type="sldImg"/>
@@ -1484,7 +1484,7 @@
       </p:sp>
       <p:sp>
         <p:nvSpPr>
-          <p:cNvPr id="131" name="Google Shape;131;p13:notes"/>
+          <p:cNvPr id="131" name="Google Shape;131;p14:notes"/>
           <p:cNvSpPr txBox="1"/>
           <p:nvPr>
             <p:ph idx="1" type="body"/>
@@ -1542,7 +1542,7 @@
   <p:cSld>
     <p:spTree>
       <p:nvGrpSpPr>
-        <p:cNvPr id="137" name="Shape 137"/>
+        <p:cNvPr id="135" name="Shape 135"/>
         <p:cNvGrpSpPr/>
         <p:nvPr/>
       </p:nvGrpSpPr>
@@ -1556,7 +1556,7 @@
       </p:grpSpPr>
       <p:sp>
         <p:nvSpPr>
-          <p:cNvPr id="138" name="Google Shape;138;g2d919dac1b3_0_1:notes"/>
+          <p:cNvPr id="136" name="Google Shape;136;p15:notes"/>
           <p:cNvSpPr/>
           <p:nvPr>
             <p:ph idx="2" type="sldImg"/>
@@ -1601,7 +1601,7 @@
       </p:sp>
       <p:sp>
         <p:nvSpPr>
-          <p:cNvPr id="139" name="Google Shape;139;g2d919dac1b3_0_1:notes"/>
+          <p:cNvPr id="137" name="Google Shape;137;p15:notes"/>
           <p:cNvSpPr txBox="1"/>
           <p:nvPr>
             <p:ph idx="1" type="body"/>
@@ -1907,7 +1907,7 @@
       </p:grpSpPr>
       <p:sp>
         <p:nvSpPr>
-          <p:cNvPr id="69" name="Google Shape;69;g2d919dac1b3_0_9:notes"/>
+          <p:cNvPr id="69" name="Google Shape;69;p4:notes"/>
           <p:cNvSpPr/>
           <p:nvPr>
             <p:ph idx="2" type="sldImg"/>
@@ -1952,7 +1952,7 @@
       </p:sp>
       <p:sp>
         <p:nvSpPr>
-          <p:cNvPr id="70" name="Google Shape;70;g2d919dac1b3_0_9:notes"/>
+          <p:cNvPr id="70" name="Google Shape;70;p4:notes"/>
           <p:cNvSpPr txBox="1"/>
           <p:nvPr>
             <p:ph idx="1" type="body"/>
@@ -2024,7 +2024,7 @@
       </p:grpSpPr>
       <p:sp>
         <p:nvSpPr>
-          <p:cNvPr id="75" name="Google Shape;75;p4:notes"/>
+          <p:cNvPr id="75" name="Google Shape;75;p5:notes"/>
           <p:cNvSpPr/>
           <p:nvPr>
             <p:ph idx="2" type="sldImg"/>
@@ -2069,7 +2069,7 @@
       </p:sp>
       <p:sp>
         <p:nvSpPr>
-          <p:cNvPr id="76" name="Google Shape;76;p4:notes"/>
+          <p:cNvPr id="76" name="Google Shape;76;p5:notes"/>
           <p:cNvSpPr txBox="1"/>
           <p:nvPr>
             <p:ph idx="1" type="body"/>
@@ -2141,7 +2141,7 @@
       </p:grpSpPr>
       <p:sp>
         <p:nvSpPr>
-          <p:cNvPr id="81" name="Google Shape;81;p5:notes"/>
+          <p:cNvPr id="81" name="Google Shape;81;p6:notes"/>
           <p:cNvSpPr/>
           <p:nvPr>
             <p:ph idx="2" type="sldImg"/>
@@ -2186,7 +2186,7 @@
       </p:sp>
       <p:sp>
         <p:nvSpPr>
-          <p:cNvPr id="82" name="Google Shape;82;p5:notes"/>
+          <p:cNvPr id="82" name="Google Shape;82;p6:notes"/>
           <p:cNvSpPr txBox="1"/>
           <p:nvPr>
             <p:ph idx="1" type="body"/>
@@ -2258,7 +2258,7 @@
       </p:grpSpPr>
       <p:sp>
         <p:nvSpPr>
-          <p:cNvPr id="88" name="Google Shape;88;p6:notes"/>
+          <p:cNvPr id="88" name="Google Shape;88;p7:notes"/>
           <p:cNvSpPr/>
           <p:nvPr>
             <p:ph idx="2" type="sldImg"/>
@@ -2303,7 +2303,7 @@
       </p:sp>
       <p:sp>
         <p:nvSpPr>
-          <p:cNvPr id="89" name="Google Shape;89;p6:notes"/>
+          <p:cNvPr id="89" name="Google Shape;89;p7:notes"/>
           <p:cNvSpPr txBox="1"/>
           <p:nvPr>
             <p:ph idx="1" type="body"/>
@@ -2375,7 +2375,7 @@
       </p:grpSpPr>
       <p:sp>
         <p:nvSpPr>
-          <p:cNvPr id="94" name="Google Shape;94;p7:notes"/>
+          <p:cNvPr id="94" name="Google Shape;94;p8:notes"/>
           <p:cNvSpPr/>
           <p:nvPr>
             <p:ph idx="2" type="sldImg"/>
@@ -2420,7 +2420,7 @@
       </p:sp>
       <p:sp>
         <p:nvSpPr>
-          <p:cNvPr id="95" name="Google Shape;95;p7:notes"/>
+          <p:cNvPr id="95" name="Google Shape;95;p8:notes"/>
           <p:cNvSpPr txBox="1"/>
           <p:nvPr>
             <p:ph idx="1" type="body"/>
@@ -2492,7 +2492,7 @@
       </p:grpSpPr>
       <p:sp>
         <p:nvSpPr>
-          <p:cNvPr id="100" name="Google Shape;100;p8:notes"/>
+          <p:cNvPr id="100" name="Google Shape;100;p9:notes"/>
           <p:cNvSpPr/>
           <p:nvPr>
             <p:ph idx="2" type="sldImg"/>
@@ -2537,7 +2537,7 @@
       </p:sp>
       <p:sp>
         <p:nvSpPr>
-          <p:cNvPr id="101" name="Google Shape;101;p8:notes"/>
+          <p:cNvPr id="101" name="Google Shape;101;p9:notes"/>
           <p:cNvSpPr txBox="1"/>
           <p:nvPr>
             <p:ph idx="1" type="body"/>
@@ -10917,62 +10917,8 @@
           <p:cNvPicPr preferRelativeResize="0"/>
           <p:nvPr/>
         </p:nvPicPr>
-        <p:blipFill rotWithShape="1">
+        <p:blipFill>
           <a:blip r:embed="rId3">
-            <a:alphaModFix/>
-          </a:blip>
-          <a:srcRect b="0" l="0" r="0" t="0"/>
-          <a:stretch/>
-        </p:blipFill>
-        <p:spPr>
-          <a:xfrm>
-            <a:off x="311700" y="1689850"/>
-            <a:ext cx="2326806" cy="2333700"/>
-          </a:xfrm>
-          <a:prstGeom prst="rect">
-            <a:avLst/>
-          </a:prstGeom>
-          <a:noFill/>
-          <a:ln>
-            <a:noFill/>
-          </a:ln>
-        </p:spPr>
-      </p:pic>
-      <p:pic>
-        <p:nvPicPr>
-          <p:cNvPr id="135" name="Google Shape;135;p26"/>
-          <p:cNvPicPr preferRelativeResize="0"/>
-          <p:nvPr/>
-        </p:nvPicPr>
-        <p:blipFill rotWithShape="1">
-          <a:blip r:embed="rId4">
-            <a:alphaModFix/>
-          </a:blip>
-          <a:srcRect b="0" l="0" r="0" t="0"/>
-          <a:stretch/>
-        </p:blipFill>
-        <p:spPr>
-          <a:xfrm>
-            <a:off x="2769838" y="1689840"/>
-            <a:ext cx="2691750" cy="2333711"/>
-          </a:xfrm>
-          <a:prstGeom prst="rect">
-            <a:avLst/>
-          </a:prstGeom>
-          <a:noFill/>
-          <a:ln>
-            <a:noFill/>
-          </a:ln>
-        </p:spPr>
-      </p:pic>
-      <p:pic>
-        <p:nvPicPr>
-          <p:cNvPr id="136" name="Google Shape;136;p26"/>
-          <p:cNvPicPr preferRelativeResize="0"/>
-          <p:nvPr/>
-        </p:nvPicPr>
-        <p:blipFill>
-          <a:blip r:embed="rId5">
             <a:alphaModFix/>
           </a:blip>
           <a:stretch>
@@ -10981,8 +10927,8 @@
         </p:blipFill>
         <p:spPr>
           <a:xfrm>
-            <a:off x="5592938" y="1148375"/>
-            <a:ext cx="3210840" cy="3820975"/>
+            <a:off x="152400" y="1170125"/>
+            <a:ext cx="6783616" cy="3820976"/>
           </a:xfrm>
           <a:prstGeom prst="rect">
             <a:avLst/>
@@ -11006,7 +10952,7 @@
   <p:cSld>
     <p:spTree>
       <p:nvGrpSpPr>
-        <p:cNvPr id="140" name="Shape 140"/>
+        <p:cNvPr id="138" name="Shape 138"/>
         <p:cNvGrpSpPr/>
         <p:nvPr/>
       </p:nvGrpSpPr>
@@ -11020,7 +10966,7 @@
       </p:grpSpPr>
       <p:sp>
         <p:nvSpPr>
-          <p:cNvPr id="141" name="Google Shape;141;p27"/>
+          <p:cNvPr id="139" name="Google Shape;139;p27"/>
           <p:cNvSpPr txBox="1"/>
           <p:nvPr>
             <p:ph type="title"/>
@@ -11068,7 +11014,7 @@
       </p:sp>
       <p:pic>
         <p:nvPicPr>
-          <p:cNvPr id="142" name="Google Shape;142;p27"/>
+          <p:cNvPr id="140" name="Google Shape;140;p27"/>
           <p:cNvPicPr preferRelativeResize="0"/>
           <p:nvPr/>
         </p:nvPicPr>
@@ -11083,7 +11029,7 @@
         <p:spPr>
           <a:xfrm>
             <a:off x="152400" y="1170125"/>
-            <a:ext cx="6797460" cy="3820976"/>
+            <a:ext cx="6790538" cy="3820976"/>
           </a:xfrm>
           <a:prstGeom prst="rect">
             <a:avLst/>
@@ -11842,17 +11788,18 @@
           <p:cNvPicPr preferRelativeResize="0"/>
           <p:nvPr/>
         </p:nvPicPr>
-        <p:blipFill rotWithShape="1">
+        <p:blipFill>
           <a:blip r:embed="rId3">
             <a:alphaModFix/>
           </a:blip>
-          <a:srcRect b="0" l="0" r="0" t="0"/>
-          <a:stretch/>
+          <a:stretch>
+            <a:fillRect/>
+          </a:stretch>
         </p:blipFill>
         <p:spPr>
           <a:xfrm>
-            <a:off x="1659400" y="1957150"/>
-            <a:ext cx="5825201" cy="3008349"/>
+            <a:off x="1605700" y="2006100"/>
+            <a:ext cx="5084100" cy="2985174"/>
           </a:xfrm>
           <a:prstGeom prst="rect">
             <a:avLst/>
